--- a/Lec 8 Errors and Agreement/Measuring Argeement.pptx
+++ b/Lec 8 Errors and Agreement/Measuring Argeement.pptx
@@ -11,23 +11,23 @@
     <p:sldId id="256" r:id="rId2"/>
     <p:sldId id="258" r:id="rId3"/>
     <p:sldId id="259" r:id="rId4"/>
-    <p:sldId id="260" r:id="rId5"/>
-    <p:sldId id="261" r:id="rId6"/>
-    <p:sldId id="263" r:id="rId7"/>
-    <p:sldId id="268" r:id="rId8"/>
-    <p:sldId id="269" r:id="rId9"/>
-    <p:sldId id="264" r:id="rId10"/>
-    <p:sldId id="265" r:id="rId11"/>
-    <p:sldId id="266" r:id="rId12"/>
-    <p:sldId id="267" r:id="rId13"/>
-    <p:sldId id="270" r:id="rId14"/>
-    <p:sldId id="271" r:id="rId15"/>
-    <p:sldId id="272" r:id="rId16"/>
-    <p:sldId id="273" r:id="rId17"/>
-    <p:sldId id="274" r:id="rId18"/>
-    <p:sldId id="275" r:id="rId19"/>
-    <p:sldId id="276" r:id="rId20"/>
-    <p:sldId id="262" r:id="rId21"/>
+    <p:sldId id="277" r:id="rId5"/>
+    <p:sldId id="260" r:id="rId6"/>
+    <p:sldId id="261" r:id="rId7"/>
+    <p:sldId id="263" r:id="rId8"/>
+    <p:sldId id="268" r:id="rId9"/>
+    <p:sldId id="269" r:id="rId10"/>
+    <p:sldId id="264" r:id="rId11"/>
+    <p:sldId id="265" r:id="rId12"/>
+    <p:sldId id="266" r:id="rId13"/>
+    <p:sldId id="267" r:id="rId14"/>
+    <p:sldId id="270" r:id="rId15"/>
+    <p:sldId id="271" r:id="rId16"/>
+    <p:sldId id="272" r:id="rId17"/>
+    <p:sldId id="273" r:id="rId18"/>
+    <p:sldId id="274" r:id="rId19"/>
+    <p:sldId id="275" r:id="rId20"/>
+    <p:sldId id="276" r:id="rId21"/>
   </p:sldIdLst>
   <p:sldSz cx="12192000" cy="6858000"/>
   <p:notesSz cx="6858000" cy="9144000"/>
@@ -126,6 +126,11 @@
       </a:defRPr>
     </a:lvl9pPr>
   </p:defaultTextStyle>
+  <p:extLst>
+    <p:ext uri="{EFAFB233-063F-42B5-8137-9DF3F51BA10A}">
+      <p15:sldGuideLst xmlns:p15="http://schemas.microsoft.com/office/powerpoint/2012/main"/>
+    </p:ext>
+  </p:extLst>
 </p:presentation>
 </file>
 
@@ -211,7 +216,7 @@
           <a:p>
             <a:fld id="{F933DD3E-228D-46AB-AEB7-8C97B238DB80}" type="datetimeFigureOut">
               <a:rPr lang="en-US" smtClean="0"/>
-              <a:t>3/3/2018</a:t>
+              <a:t>3/5/2018</a:t>
             </a:fld>
             <a:endParaRPr lang="en-US"/>
           </a:p>
@@ -716,7 +721,7 @@
           <a:p>
             <a:fld id="{016838CA-4DE9-4A2B-9E6F-7C15D0509CBB}" type="datetimeFigureOut">
               <a:rPr lang="en-US" smtClean="0"/>
-              <a:t>3/3/2018</a:t>
+              <a:t>3/5/2018</a:t>
             </a:fld>
             <a:endParaRPr lang="en-US"/>
           </a:p>
@@ -886,7 +891,7 @@
           <a:p>
             <a:fld id="{016838CA-4DE9-4A2B-9E6F-7C15D0509CBB}" type="datetimeFigureOut">
               <a:rPr lang="en-US" smtClean="0"/>
-              <a:t>3/3/2018</a:t>
+              <a:t>3/5/2018</a:t>
             </a:fld>
             <a:endParaRPr lang="en-US"/>
           </a:p>
@@ -1066,7 +1071,7 @@
           <a:p>
             <a:fld id="{016838CA-4DE9-4A2B-9E6F-7C15D0509CBB}" type="datetimeFigureOut">
               <a:rPr lang="en-US" smtClean="0"/>
-              <a:t>3/3/2018</a:t>
+              <a:t>3/5/2018</a:t>
             </a:fld>
             <a:endParaRPr lang="en-US"/>
           </a:p>
@@ -1236,7 +1241,7 @@
           <a:p>
             <a:fld id="{016838CA-4DE9-4A2B-9E6F-7C15D0509CBB}" type="datetimeFigureOut">
               <a:rPr lang="en-US" smtClean="0"/>
-              <a:t>3/3/2018</a:t>
+              <a:t>3/5/2018</a:t>
             </a:fld>
             <a:endParaRPr lang="en-US"/>
           </a:p>
@@ -1482,7 +1487,7 @@
           <a:p>
             <a:fld id="{016838CA-4DE9-4A2B-9E6F-7C15D0509CBB}" type="datetimeFigureOut">
               <a:rPr lang="en-US" smtClean="0"/>
-              <a:t>3/3/2018</a:t>
+              <a:t>3/5/2018</a:t>
             </a:fld>
             <a:endParaRPr lang="en-US"/>
           </a:p>
@@ -1714,7 +1719,7 @@
           <a:p>
             <a:fld id="{016838CA-4DE9-4A2B-9E6F-7C15D0509CBB}" type="datetimeFigureOut">
               <a:rPr lang="en-US" smtClean="0"/>
-              <a:t>3/3/2018</a:t>
+              <a:t>3/5/2018</a:t>
             </a:fld>
             <a:endParaRPr lang="en-US"/>
           </a:p>
@@ -2081,7 +2086,7 @@
           <a:p>
             <a:fld id="{016838CA-4DE9-4A2B-9E6F-7C15D0509CBB}" type="datetimeFigureOut">
               <a:rPr lang="en-US" smtClean="0"/>
-              <a:t>3/3/2018</a:t>
+              <a:t>3/5/2018</a:t>
             </a:fld>
             <a:endParaRPr lang="en-US"/>
           </a:p>
@@ -2199,7 +2204,7 @@
           <a:p>
             <a:fld id="{016838CA-4DE9-4A2B-9E6F-7C15D0509CBB}" type="datetimeFigureOut">
               <a:rPr lang="en-US" smtClean="0"/>
-              <a:t>3/3/2018</a:t>
+              <a:t>3/5/2018</a:t>
             </a:fld>
             <a:endParaRPr lang="en-US"/>
           </a:p>
@@ -2294,7 +2299,7 @@
           <a:p>
             <a:fld id="{016838CA-4DE9-4A2B-9E6F-7C15D0509CBB}" type="datetimeFigureOut">
               <a:rPr lang="en-US" smtClean="0"/>
-              <a:t>3/3/2018</a:t>
+              <a:t>3/5/2018</a:t>
             </a:fld>
             <a:endParaRPr lang="en-US"/>
           </a:p>
@@ -2571,7 +2576,7 @@
           <a:p>
             <a:fld id="{016838CA-4DE9-4A2B-9E6F-7C15D0509CBB}" type="datetimeFigureOut">
               <a:rPr lang="en-US" smtClean="0"/>
-              <a:t>3/3/2018</a:t>
+              <a:t>3/5/2018</a:t>
             </a:fld>
             <a:endParaRPr lang="en-US"/>
           </a:p>
@@ -2824,7 +2829,7 @@
           <a:p>
             <a:fld id="{016838CA-4DE9-4A2B-9E6F-7C15D0509CBB}" type="datetimeFigureOut">
               <a:rPr lang="en-US" smtClean="0"/>
-              <a:t>3/3/2018</a:t>
+              <a:t>3/5/2018</a:t>
             </a:fld>
             <a:endParaRPr lang="en-US"/>
           </a:p>
@@ -3037,7 +3042,7 @@
           <a:p>
             <a:fld id="{016838CA-4DE9-4A2B-9E6F-7C15D0509CBB}" type="datetimeFigureOut">
               <a:rPr lang="en-US" smtClean="0"/>
-              <a:t>3/3/2018</a:t>
+              <a:t>3/5/2018</a:t>
             </a:fld>
             <a:endParaRPr lang="en-US"/>
           </a:p>
@@ -3563,2715 +3568,6 @@
           <a:p>
             <a:r>
               <a:rPr lang="en-US" dirty="0" smtClean="0"/>
-              <a:t>Concordance correlation coefficient</a:t>
-            </a:r>
-            <a:endParaRPr lang="en-US" dirty="0" smtClean="0"/>
-          </a:p>
-        </p:txBody>
-      </p:sp>
-      <p:pic>
-        <p:nvPicPr>
-          <p:cNvPr id="5" name="Content Placeholder 4"/>
-          <p:cNvPicPr>
-            <a:picLocks noGrp="1" noChangeAspect="1"/>
-          </p:cNvPicPr>
-          <p:nvPr>
-            <p:ph idx="1"/>
-          </p:nvPr>
-        </p:nvPicPr>
-        <p:blipFill>
-          <a:blip r:embed="rId2"/>
-          <a:stretch>
-            <a:fillRect/>
-          </a:stretch>
-        </p:blipFill>
-        <p:spPr>
-          <a:xfrm>
-            <a:off x="990730" y="1560060"/>
-            <a:ext cx="5105270" cy="944268"/>
-          </a:xfrm>
-          <a:prstGeom prst="rect">
-            <a:avLst/>
-          </a:prstGeom>
-        </p:spPr>
-      </p:pic>
-      <p:pic>
-        <p:nvPicPr>
-          <p:cNvPr id="6" name="Picture 5"/>
-          <p:cNvPicPr>
-            <a:picLocks noChangeAspect="1"/>
-          </p:cNvPicPr>
-          <p:nvPr/>
-        </p:nvPicPr>
-        <p:blipFill>
-          <a:blip r:embed="rId3"/>
-          <a:stretch>
-            <a:fillRect/>
-          </a:stretch>
-        </p:blipFill>
-        <p:spPr>
-          <a:xfrm>
-            <a:off x="972057" y="2634956"/>
-            <a:ext cx="8982454" cy="3684620"/>
-          </a:xfrm>
-          <a:prstGeom prst="rect">
-            <a:avLst/>
-          </a:prstGeom>
-        </p:spPr>
-      </p:pic>
-    </p:spTree>
-    <p:extLst>
-      <p:ext uri="{BB962C8B-B14F-4D97-AF65-F5344CB8AC3E}">
-        <p14:creationId xmlns:p14="http://schemas.microsoft.com/office/powerpoint/2010/main" val="1219898697"/>
-      </p:ext>
-    </p:extLst>
-  </p:cSld>
-  <p:clrMapOvr>
-    <a:masterClrMapping/>
-  </p:clrMapOvr>
-</p:sld>
-</file>
-
-<file path=ppt/slides/slide11.xml><?xml version="1.0" encoding="utf-8"?>
-<p:sld xmlns:a="http://schemas.openxmlformats.org/drawingml/2006/main" xmlns:r="http://schemas.openxmlformats.org/officeDocument/2006/relationships" xmlns:p="http://schemas.openxmlformats.org/presentationml/2006/main">
-  <p:cSld>
-    <p:spTree>
-      <p:nvGrpSpPr>
-        <p:cNvPr id="1" name=""/>
-        <p:cNvGrpSpPr/>
-        <p:nvPr/>
-      </p:nvGrpSpPr>
-      <p:grpSpPr>
-        <a:xfrm>
-          <a:off x="0" y="0"/>
-          <a:ext cx="0" cy="0"/>
-          <a:chOff x="0" y="0"/>
-          <a:chExt cx="0" cy="0"/>
-        </a:xfrm>
-      </p:grpSpPr>
-      <p:sp>
-        <p:nvSpPr>
-          <p:cNvPr id="2" name="Title 1"/>
-          <p:cNvSpPr>
-            <a:spLocks noGrp="1"/>
-          </p:cNvSpPr>
-          <p:nvPr>
-            <p:ph type="title"/>
-          </p:nvPr>
-        </p:nvSpPr>
-        <p:spPr/>
-        <p:txBody>
-          <a:bodyPr/>
-          <a:lstStyle/>
-          <a:p>
-            <a:r>
-              <a:rPr lang="en-US" dirty="0" smtClean="0"/>
-              <a:t>Lin’s Probability Criterion</a:t>
-            </a:r>
-            <a:endParaRPr lang="en-US" dirty="0"/>
-          </a:p>
-        </p:txBody>
-      </p:sp>
-      <p:sp>
-        <p:nvSpPr>
-          <p:cNvPr id="3" name="Content Placeholder 2"/>
-          <p:cNvSpPr>
-            <a:spLocks noGrp="1"/>
-          </p:cNvSpPr>
-          <p:nvPr>
-            <p:ph idx="1"/>
-          </p:nvPr>
-        </p:nvSpPr>
-        <p:spPr/>
-        <p:txBody>
-          <a:bodyPr/>
-          <a:lstStyle/>
-          <a:p>
-            <a:r>
-              <a:rPr lang="en-US" dirty="0" smtClean="0"/>
-              <a:t>Two measurement methods may be considered to have sufﬁcient agreement if a large proportion of their differences is small</a:t>
-            </a:r>
-          </a:p>
-          <a:p>
-            <a:r>
-              <a:rPr lang="en-US" dirty="0" smtClean="0"/>
-              <a:t> δ &gt; 0, be a speciﬁed acceptable margin for the differences in that a difference falling within ±δ is acceptably small </a:t>
-            </a:r>
-          </a:p>
-          <a:p>
-            <a:endParaRPr lang="en-US" dirty="0" smtClean="0"/>
-          </a:p>
-          <a:p>
-            <a:r>
-              <a:rPr lang="en-US" dirty="0" smtClean="0"/>
-              <a:t>Total deviation index  </a:t>
-            </a:r>
-          </a:p>
-          <a:p>
-            <a:r>
-              <a:rPr lang="en-US" dirty="0" smtClean="0"/>
-              <a:t>When differences follow normal distribution:</a:t>
-            </a:r>
-          </a:p>
-          <a:p>
-            <a:endParaRPr lang="en-US" dirty="0"/>
-          </a:p>
-        </p:txBody>
-      </p:sp>
-      <p:pic>
-        <p:nvPicPr>
-          <p:cNvPr id="4" name="Picture 3"/>
-          <p:cNvPicPr>
-            <a:picLocks noChangeAspect="1"/>
-          </p:cNvPicPr>
-          <p:nvPr/>
-        </p:nvPicPr>
-        <p:blipFill>
-          <a:blip r:embed="rId2"/>
-          <a:stretch>
-            <a:fillRect/>
-          </a:stretch>
-        </p:blipFill>
-        <p:spPr>
-          <a:xfrm>
-            <a:off x="1579418" y="3525367"/>
-            <a:ext cx="2219484" cy="509176"/>
-          </a:xfrm>
-          <a:prstGeom prst="rect">
-            <a:avLst/>
-          </a:prstGeom>
-        </p:spPr>
-      </p:pic>
-      <p:pic>
-        <p:nvPicPr>
-          <p:cNvPr id="5" name="Picture 4"/>
-          <p:cNvPicPr>
-            <a:picLocks noChangeAspect="1"/>
-          </p:cNvPicPr>
-          <p:nvPr/>
-        </p:nvPicPr>
-        <p:blipFill>
-          <a:blip r:embed="rId3"/>
-          <a:stretch>
-            <a:fillRect/>
-          </a:stretch>
-        </p:blipFill>
-        <p:spPr>
-          <a:xfrm>
-            <a:off x="4411257" y="4074976"/>
-            <a:ext cx="4778230" cy="544527"/>
-          </a:xfrm>
-          <a:prstGeom prst="rect">
-            <a:avLst/>
-          </a:prstGeom>
-        </p:spPr>
-      </p:pic>
-      <p:pic>
-        <p:nvPicPr>
-          <p:cNvPr id="6" name="Picture 5"/>
-          <p:cNvPicPr>
-            <a:picLocks noChangeAspect="1"/>
-          </p:cNvPicPr>
-          <p:nvPr/>
-        </p:nvPicPr>
-        <p:blipFill>
-          <a:blip r:embed="rId4"/>
-          <a:stretch>
-            <a:fillRect/>
-          </a:stretch>
-        </p:blipFill>
-        <p:spPr>
-          <a:xfrm>
-            <a:off x="2263116" y="5178213"/>
-            <a:ext cx="3808898" cy="842575"/>
-          </a:xfrm>
-          <a:prstGeom prst="rect">
-            <a:avLst/>
-          </a:prstGeom>
-        </p:spPr>
-      </p:pic>
-    </p:spTree>
-    <p:extLst>
-      <p:ext uri="{BB962C8B-B14F-4D97-AF65-F5344CB8AC3E}">
-        <p14:creationId xmlns:p14="http://schemas.microsoft.com/office/powerpoint/2010/main" val="177006677"/>
-      </p:ext>
-    </p:extLst>
-  </p:cSld>
-  <p:clrMapOvr>
-    <a:masterClrMapping/>
-  </p:clrMapOvr>
-</p:sld>
-</file>
-
-<file path=ppt/slides/slide12.xml><?xml version="1.0" encoding="utf-8"?>
-<p:sld xmlns:a="http://schemas.openxmlformats.org/drawingml/2006/main" xmlns:r="http://schemas.openxmlformats.org/officeDocument/2006/relationships" xmlns:p="http://schemas.openxmlformats.org/presentationml/2006/main">
-  <p:cSld>
-    <p:spTree>
-      <p:nvGrpSpPr>
-        <p:cNvPr id="1" name=""/>
-        <p:cNvGrpSpPr/>
-        <p:nvPr/>
-      </p:nvGrpSpPr>
-      <p:grpSpPr>
-        <a:xfrm>
-          <a:off x="0" y="0"/>
-          <a:ext cx="0" cy="0"/>
-          <a:chOff x="0" y="0"/>
-          <a:chExt cx="0" cy="0"/>
-        </a:xfrm>
-      </p:grpSpPr>
-      <p:sp>
-        <p:nvSpPr>
-          <p:cNvPr id="2" name="Title 1"/>
-          <p:cNvSpPr>
-            <a:spLocks noGrp="1"/>
-          </p:cNvSpPr>
-          <p:nvPr>
-            <p:ph type="title"/>
-          </p:nvPr>
-        </p:nvSpPr>
-        <p:spPr/>
-        <p:txBody>
-          <a:bodyPr/>
-          <a:lstStyle/>
-          <a:p>
-            <a:r>
-              <a:rPr lang="en-US" dirty="0" smtClean="0"/>
-              <a:t>Paired measurement example (oxygen saturation 1)	</a:t>
-            </a:r>
-            <a:endParaRPr lang="en-US" dirty="0"/>
-          </a:p>
-        </p:txBody>
-      </p:sp>
-      <p:pic>
-        <p:nvPicPr>
-          <p:cNvPr id="4" name="Content Placeholder 3"/>
-          <p:cNvPicPr>
-            <a:picLocks noGrp="1" noChangeAspect="1"/>
-          </p:cNvPicPr>
-          <p:nvPr>
-            <p:ph idx="1"/>
-          </p:nvPr>
-        </p:nvPicPr>
-        <p:blipFill>
-          <a:blip r:embed="rId2"/>
-          <a:stretch>
-            <a:fillRect/>
-          </a:stretch>
-        </p:blipFill>
-        <p:spPr>
-          <a:xfrm>
-            <a:off x="265250" y="1842827"/>
-            <a:ext cx="5933669" cy="3489165"/>
-          </a:xfrm>
-          <a:prstGeom prst="rect">
-            <a:avLst/>
-          </a:prstGeom>
-        </p:spPr>
-      </p:pic>
-      <p:pic>
-        <p:nvPicPr>
-          <p:cNvPr id="5" name="Picture 4"/>
-          <p:cNvPicPr>
-            <a:picLocks noChangeAspect="1"/>
-          </p:cNvPicPr>
-          <p:nvPr/>
-        </p:nvPicPr>
-        <p:blipFill>
-          <a:blip r:embed="rId3"/>
-          <a:stretch>
-            <a:fillRect/>
-          </a:stretch>
-        </p:blipFill>
-        <p:spPr>
-          <a:xfrm>
-            <a:off x="6781860" y="1842827"/>
-            <a:ext cx="5410140" cy="3451478"/>
-          </a:xfrm>
-          <a:prstGeom prst="rect">
-            <a:avLst/>
-          </a:prstGeom>
-        </p:spPr>
-      </p:pic>
-    </p:spTree>
-    <p:extLst>
-      <p:ext uri="{BB962C8B-B14F-4D97-AF65-F5344CB8AC3E}">
-        <p14:creationId xmlns:p14="http://schemas.microsoft.com/office/powerpoint/2010/main" val="423851360"/>
-      </p:ext>
-    </p:extLst>
-  </p:cSld>
-  <p:clrMapOvr>
-    <a:masterClrMapping/>
-  </p:clrMapOvr>
-</p:sld>
-</file>
-
-<file path=ppt/slides/slide13.xml><?xml version="1.0" encoding="utf-8"?>
-<p:sld xmlns:a="http://schemas.openxmlformats.org/drawingml/2006/main" xmlns:r="http://schemas.openxmlformats.org/officeDocument/2006/relationships" xmlns:p="http://schemas.openxmlformats.org/presentationml/2006/main">
-  <p:cSld>
-    <p:spTree>
-      <p:nvGrpSpPr>
-        <p:cNvPr id="1" name=""/>
-        <p:cNvGrpSpPr/>
-        <p:nvPr/>
-      </p:nvGrpSpPr>
-      <p:grpSpPr>
-        <a:xfrm>
-          <a:off x="0" y="0"/>
-          <a:ext cx="0" cy="0"/>
-          <a:chOff x="0" y="0"/>
-          <a:chExt cx="0" cy="0"/>
-        </a:xfrm>
-      </p:grpSpPr>
-      <p:sp>
-        <p:nvSpPr>
-          <p:cNvPr id="2" name="Title 1"/>
-          <p:cNvSpPr>
-            <a:spLocks noGrp="1"/>
-          </p:cNvSpPr>
-          <p:nvPr>
-            <p:ph type="title"/>
-          </p:nvPr>
-        </p:nvSpPr>
-        <p:spPr/>
-        <p:txBody>
-          <a:bodyPr/>
-          <a:lstStyle/>
-          <a:p>
-            <a:r>
-              <a:rPr lang="en-US" dirty="0" smtClean="0"/>
-              <a:t>Repeated measurements</a:t>
-            </a:r>
-            <a:endParaRPr lang="en-US" dirty="0"/>
-          </a:p>
-        </p:txBody>
-      </p:sp>
-      <p:sp>
-        <p:nvSpPr>
-          <p:cNvPr id="3" name="Content Placeholder 2"/>
-          <p:cNvSpPr>
-            <a:spLocks noGrp="1"/>
-          </p:cNvSpPr>
-          <p:nvPr>
-            <p:ph idx="1"/>
-          </p:nvPr>
-        </p:nvSpPr>
-        <p:spPr/>
-        <p:txBody>
-          <a:bodyPr>
-            <a:normAutofit lnSpcReduction="10000"/>
-          </a:bodyPr>
-          <a:lstStyle/>
-          <a:p>
-            <a:r>
-              <a:rPr lang="en-US" dirty="0" smtClean="0"/>
-              <a:t>Multiple measurements are available on each subject</a:t>
-            </a:r>
-          </a:p>
-          <a:p>
-            <a:r>
-              <a:rPr lang="en-US" dirty="0" smtClean="0"/>
-              <a:t>Linked: when the measurements from the two methods are made together in pairs as (Y</a:t>
-            </a:r>
-            <a:r>
-              <a:rPr lang="en-US" baseline="-25000" dirty="0" smtClean="0"/>
-              <a:t>i1k</a:t>
-            </a:r>
-            <a:r>
-              <a:rPr lang="en-US" dirty="0" smtClean="0"/>
-              <a:t> , Y</a:t>
-            </a:r>
-            <a:r>
-              <a:rPr lang="en-US" baseline="-25000" dirty="0" smtClean="0"/>
-              <a:t>i2k</a:t>
-            </a:r>
-            <a:r>
-              <a:rPr lang="en-US" dirty="0" smtClean="0"/>
-              <a:t> ), k = 1, . . . , m</a:t>
-            </a:r>
-            <a:r>
-              <a:rPr lang="en-US" baseline="-25000" dirty="0" smtClean="0"/>
-              <a:t>i</a:t>
-            </a:r>
-          </a:p>
-          <a:p>
-            <a:r>
-              <a:rPr lang="en-US" dirty="0" smtClean="0"/>
-              <a:t>Unlinked:  the measurements from the two methods are obtained separately and a method’s multiple measurements on a subject are independent replications of the same underlying measurement</a:t>
-            </a:r>
-          </a:p>
-          <a:p>
-            <a:r>
-              <a:rPr lang="en-US" dirty="0" smtClean="0"/>
-              <a:t>Longitudinal: the measurements from both methods are made over a period of time, and unlike the linked case, there is a systematic ﬁxed effect of time or a time-dependent covariate on the measurements.</a:t>
-            </a:r>
-          </a:p>
-          <a:p>
-            <a:r>
-              <a:rPr lang="en-US" dirty="0" smtClean="0"/>
-              <a:t>Need to evaluate repeatability of each method – self agreement</a:t>
-            </a:r>
-            <a:endParaRPr lang="en-US" dirty="0"/>
-          </a:p>
-        </p:txBody>
-      </p:sp>
-    </p:spTree>
-    <p:extLst>
-      <p:ext uri="{BB962C8B-B14F-4D97-AF65-F5344CB8AC3E}">
-        <p14:creationId xmlns:p14="http://schemas.microsoft.com/office/powerpoint/2010/main" val="1953342163"/>
-      </p:ext>
-    </p:extLst>
-  </p:cSld>
-  <p:clrMapOvr>
-    <a:masterClrMapping/>
-  </p:clrMapOvr>
-</p:sld>
-</file>
-
-<file path=ppt/slides/slide14.xml><?xml version="1.0" encoding="utf-8"?>
-<p:sld xmlns:a="http://schemas.openxmlformats.org/drawingml/2006/main" xmlns:r="http://schemas.openxmlformats.org/officeDocument/2006/relationships" xmlns:p="http://schemas.openxmlformats.org/presentationml/2006/main">
-  <p:cSld>
-    <p:spTree>
-      <p:nvGrpSpPr>
-        <p:cNvPr id="1" name=""/>
-        <p:cNvGrpSpPr/>
-        <p:nvPr/>
-      </p:nvGrpSpPr>
-      <p:grpSpPr>
-        <a:xfrm>
-          <a:off x="0" y="0"/>
-          <a:ext cx="0" cy="0"/>
-          <a:chOff x="0" y="0"/>
-          <a:chExt cx="0" cy="0"/>
-        </a:xfrm>
-      </p:grpSpPr>
-      <p:sp>
-        <p:nvSpPr>
-          <p:cNvPr id="2" name="Title 1"/>
-          <p:cNvSpPr>
-            <a:spLocks noGrp="1"/>
-          </p:cNvSpPr>
-          <p:nvPr>
-            <p:ph type="title"/>
-          </p:nvPr>
-        </p:nvSpPr>
-        <p:spPr/>
-        <p:txBody>
-          <a:bodyPr/>
-          <a:lstStyle/>
-          <a:p>
-            <a:r>
-              <a:rPr lang="en-US" dirty="0" smtClean="0"/>
-              <a:t>Modeling unlinked data</a:t>
-            </a:r>
-            <a:endParaRPr lang="en-US" dirty="0"/>
-          </a:p>
-        </p:txBody>
-      </p:sp>
-      <p:sp>
-        <p:nvSpPr>
-          <p:cNvPr id="3" name="Content Placeholder 2"/>
-          <p:cNvSpPr>
-            <a:spLocks noGrp="1"/>
-          </p:cNvSpPr>
-          <p:nvPr>
-            <p:ph idx="1"/>
-          </p:nvPr>
-        </p:nvSpPr>
-        <p:spPr>
-          <a:xfrm>
-            <a:off x="838199" y="1789999"/>
-            <a:ext cx="11179629" cy="4351338"/>
-          </a:xfrm>
-        </p:spPr>
-        <p:txBody>
-          <a:bodyPr/>
-          <a:lstStyle/>
-          <a:p>
-            <a:r>
-              <a:rPr lang="en-US" dirty="0" smtClean="0"/>
-              <a:t>(Y</a:t>
-            </a:r>
-            <a:r>
-              <a:rPr lang="en-US" baseline="-25000" dirty="0" smtClean="0"/>
-              <a:t>i1k</a:t>
-            </a:r>
-            <a:r>
-              <a:rPr lang="en-US" dirty="0" smtClean="0"/>
-              <a:t> , Y</a:t>
-            </a:r>
-            <a:r>
-              <a:rPr lang="en-US" baseline="-25000" dirty="0" smtClean="0"/>
-              <a:t>i2k</a:t>
-            </a:r>
-            <a:r>
-              <a:rPr lang="en-US" dirty="0" smtClean="0"/>
-              <a:t> ), k = 1, . . . , m</a:t>
-            </a:r>
-            <a:r>
-              <a:rPr lang="en-US" baseline="-25000" dirty="0" smtClean="0"/>
-              <a:t>i</a:t>
-            </a:r>
-          </a:p>
-          <a:p>
-            <a:endParaRPr lang="en-US" baseline="-25000" dirty="0"/>
-          </a:p>
-          <a:p>
-            <a:endParaRPr lang="en-US" baseline="-25000" dirty="0" smtClean="0"/>
-          </a:p>
-          <a:p>
-            <a:r>
-              <a:rPr lang="en-US" dirty="0" smtClean="0"/>
-              <a:t>Interaction terms are b</a:t>
-            </a:r>
-            <a:r>
-              <a:rPr lang="en-US" baseline="-25000" dirty="0" smtClean="0"/>
-              <a:t>i1</a:t>
-            </a:r>
-            <a:r>
-              <a:rPr lang="en-US" dirty="0" smtClean="0"/>
-              <a:t> and b</a:t>
-            </a:r>
-            <a:r>
-              <a:rPr lang="en-US" baseline="-25000" dirty="0" smtClean="0"/>
-              <a:t>i2</a:t>
-            </a:r>
-            <a:r>
-              <a:rPr lang="en-US" dirty="0" smtClean="0"/>
-              <a:t>. Here </a:t>
-            </a:r>
-            <a:r>
-              <a:rPr lang="en-US" dirty="0" smtClean="0"/>
-              <a:t>b</a:t>
-            </a:r>
-            <a:r>
-              <a:rPr lang="en-US" baseline="-25000" dirty="0" smtClean="0"/>
-              <a:t>i1</a:t>
-            </a:r>
-            <a:r>
-              <a:rPr lang="en-US" dirty="0" smtClean="0"/>
-              <a:t> represents effects of method 1 on subject i. </a:t>
-            </a:r>
-            <a:endParaRPr lang="en-US" dirty="0"/>
-          </a:p>
-        </p:txBody>
-      </p:sp>
-      <p:pic>
-        <p:nvPicPr>
-          <p:cNvPr id="5" name="Picture 4"/>
-          <p:cNvPicPr>
-            <a:picLocks noChangeAspect="1"/>
-          </p:cNvPicPr>
-          <p:nvPr/>
-        </p:nvPicPr>
-        <p:blipFill>
-          <a:blip r:embed="rId2"/>
-          <a:stretch>
-            <a:fillRect/>
-          </a:stretch>
-        </p:blipFill>
-        <p:spPr>
-          <a:xfrm>
-            <a:off x="945399" y="3965668"/>
-            <a:ext cx="7497458" cy="2419747"/>
-          </a:xfrm>
-          <a:prstGeom prst="rect">
-            <a:avLst/>
-          </a:prstGeom>
-        </p:spPr>
-      </p:pic>
-      <p:pic>
-        <p:nvPicPr>
-          <p:cNvPr id="6" name="Picture 5"/>
-          <p:cNvPicPr>
-            <a:picLocks noChangeAspect="1"/>
-          </p:cNvPicPr>
-          <p:nvPr/>
-        </p:nvPicPr>
-        <p:blipFill>
-          <a:blip r:embed="rId3"/>
-          <a:stretch>
-            <a:fillRect/>
-          </a:stretch>
-        </p:blipFill>
-        <p:spPr>
-          <a:xfrm>
-            <a:off x="776927" y="2232562"/>
-            <a:ext cx="7665930" cy="842990"/>
-          </a:xfrm>
-          <a:prstGeom prst="rect">
-            <a:avLst/>
-          </a:prstGeom>
-        </p:spPr>
-      </p:pic>
-    </p:spTree>
-    <p:extLst>
-      <p:ext uri="{BB962C8B-B14F-4D97-AF65-F5344CB8AC3E}">
-        <p14:creationId xmlns:p14="http://schemas.microsoft.com/office/powerpoint/2010/main" val="3059420390"/>
-      </p:ext>
-    </p:extLst>
-  </p:cSld>
-  <p:clrMapOvr>
-    <a:masterClrMapping/>
-  </p:clrMapOvr>
-</p:sld>
-</file>
-
-<file path=ppt/slides/slide15.xml><?xml version="1.0" encoding="utf-8"?>
-<p:sld xmlns:a="http://schemas.openxmlformats.org/drawingml/2006/main" xmlns:r="http://schemas.openxmlformats.org/officeDocument/2006/relationships" xmlns:p="http://schemas.openxmlformats.org/presentationml/2006/main">
-  <p:cSld>
-    <p:spTree>
-      <p:nvGrpSpPr>
-        <p:cNvPr id="1" name=""/>
-        <p:cNvGrpSpPr/>
-        <p:nvPr/>
-      </p:nvGrpSpPr>
-      <p:grpSpPr>
-        <a:xfrm>
-          <a:off x="0" y="0"/>
-          <a:ext cx="0" cy="0"/>
-          <a:chOff x="0" y="0"/>
-          <a:chExt cx="0" cy="0"/>
-        </a:xfrm>
-      </p:grpSpPr>
-      <p:sp>
-        <p:nvSpPr>
-          <p:cNvPr id="2" name="Title 1"/>
-          <p:cNvSpPr>
-            <a:spLocks noGrp="1"/>
-          </p:cNvSpPr>
-          <p:nvPr>
-            <p:ph type="title"/>
-          </p:nvPr>
-        </p:nvSpPr>
-        <p:spPr/>
-        <p:txBody>
-          <a:bodyPr/>
-          <a:lstStyle/>
-          <a:p>
-            <a:r>
-              <a:rPr lang="en-US" dirty="0" smtClean="0"/>
-              <a:t>Modeling linked data</a:t>
-            </a:r>
-            <a:endParaRPr lang="en-US" dirty="0"/>
-          </a:p>
-        </p:txBody>
-      </p:sp>
-      <p:sp>
-        <p:nvSpPr>
-          <p:cNvPr id="3" name="Content Placeholder 2"/>
-          <p:cNvSpPr>
-            <a:spLocks noGrp="1"/>
-          </p:cNvSpPr>
-          <p:nvPr>
-            <p:ph idx="1"/>
-          </p:nvPr>
-        </p:nvSpPr>
-        <p:spPr/>
-        <p:txBody>
-          <a:bodyPr>
-            <a:normAutofit/>
-          </a:bodyPr>
-          <a:lstStyle/>
-          <a:p>
-            <a:endParaRPr lang="en-US" dirty="0" smtClean="0"/>
-          </a:p>
-          <a:p>
-            <a:endParaRPr lang="en-US" dirty="0"/>
-          </a:p>
-          <a:p>
-            <a:endParaRPr lang="en-US" dirty="0" smtClean="0"/>
-          </a:p>
-          <a:p>
-            <a:r>
-              <a:rPr lang="en-US" dirty="0" smtClean="0"/>
-              <a:t>The effect </a:t>
-            </a:r>
-            <a:r>
-              <a:rPr lang="en-US" dirty="0" err="1" smtClean="0"/>
-              <a:t>b</a:t>
-            </a:r>
-            <a:r>
-              <a:rPr lang="en-US" baseline="-25000" dirty="0" err="1" smtClean="0"/>
-              <a:t>ik</a:t>
-            </a:r>
-            <a:r>
-              <a:rPr lang="en-US" dirty="0" smtClean="0"/>
-              <a:t>* can also be interpreted as a subject × time interaction. In other words, </a:t>
-            </a:r>
-            <a:r>
-              <a:rPr lang="en-US" dirty="0" err="1" smtClean="0"/>
-              <a:t>b</a:t>
-            </a:r>
-            <a:r>
-              <a:rPr lang="en-US" baseline="-25000" dirty="0" err="1" smtClean="0"/>
-              <a:t>ik</a:t>
-            </a:r>
-            <a:r>
-              <a:rPr lang="en-US" dirty="0" smtClean="0"/>
-              <a:t>* </a:t>
-            </a:r>
-            <a:r>
-              <a:rPr lang="en-US" dirty="0" smtClean="0"/>
-              <a:t>is a subject-speciﬁc bias that gets introduced in the measurements at time k. It follows the distribution </a:t>
-            </a:r>
-            <a:endParaRPr lang="en-US" dirty="0"/>
-          </a:p>
-        </p:txBody>
-      </p:sp>
-      <p:pic>
-        <p:nvPicPr>
-          <p:cNvPr id="5" name="Picture 4"/>
-          <p:cNvPicPr>
-            <a:picLocks noChangeAspect="1"/>
-          </p:cNvPicPr>
-          <p:nvPr/>
-        </p:nvPicPr>
-        <p:blipFill>
-          <a:blip r:embed="rId2"/>
-          <a:stretch>
-            <a:fillRect/>
-          </a:stretch>
-        </p:blipFill>
-        <p:spPr>
-          <a:xfrm>
-            <a:off x="724888" y="2137558"/>
-            <a:ext cx="8211531" cy="717749"/>
-          </a:xfrm>
-          <a:prstGeom prst="rect">
-            <a:avLst/>
-          </a:prstGeom>
-        </p:spPr>
-      </p:pic>
-      <p:pic>
-        <p:nvPicPr>
-          <p:cNvPr id="6" name="Picture 5"/>
-          <p:cNvPicPr>
-            <a:picLocks noChangeAspect="1"/>
-          </p:cNvPicPr>
-          <p:nvPr/>
-        </p:nvPicPr>
-        <p:blipFill>
-          <a:blip r:embed="rId3"/>
-          <a:stretch>
-            <a:fillRect/>
-          </a:stretch>
-        </p:blipFill>
-        <p:spPr>
-          <a:xfrm>
-            <a:off x="1110170" y="4786824"/>
-            <a:ext cx="8987919" cy="1222090"/>
-          </a:xfrm>
-          <a:prstGeom prst="rect">
-            <a:avLst/>
-          </a:prstGeom>
-        </p:spPr>
-      </p:pic>
-      <p:pic>
-        <p:nvPicPr>
-          <p:cNvPr id="7" name="Picture 6"/>
-          <p:cNvPicPr>
-            <a:picLocks noChangeAspect="1"/>
-          </p:cNvPicPr>
-          <p:nvPr/>
-        </p:nvPicPr>
-        <p:blipFill>
-          <a:blip r:embed="rId4"/>
-          <a:stretch>
-            <a:fillRect/>
-          </a:stretch>
-        </p:blipFill>
-        <p:spPr>
-          <a:xfrm>
-            <a:off x="9203377" y="4160647"/>
-            <a:ext cx="1155278" cy="458128"/>
-          </a:xfrm>
-          <a:prstGeom prst="rect">
-            <a:avLst/>
-          </a:prstGeom>
-        </p:spPr>
-      </p:pic>
-    </p:spTree>
-    <p:extLst>
-      <p:ext uri="{BB962C8B-B14F-4D97-AF65-F5344CB8AC3E}">
-        <p14:creationId xmlns:p14="http://schemas.microsoft.com/office/powerpoint/2010/main" val="2448740954"/>
-      </p:ext>
-    </p:extLst>
-  </p:cSld>
-  <p:clrMapOvr>
-    <a:masterClrMapping/>
-  </p:clrMapOvr>
-</p:sld>
-</file>
-
-<file path=ppt/slides/slide16.xml><?xml version="1.0" encoding="utf-8"?>
-<p:sld xmlns:a="http://schemas.openxmlformats.org/drawingml/2006/main" xmlns:r="http://schemas.openxmlformats.org/officeDocument/2006/relationships" xmlns:p="http://schemas.openxmlformats.org/presentationml/2006/main">
-  <p:cSld>
-    <p:spTree>
-      <p:nvGrpSpPr>
-        <p:cNvPr id="1" name=""/>
-        <p:cNvGrpSpPr/>
-        <p:nvPr/>
-      </p:nvGrpSpPr>
-      <p:grpSpPr>
-        <a:xfrm>
-          <a:off x="0" y="0"/>
-          <a:ext cx="0" cy="0"/>
-          <a:chOff x="0" y="0"/>
-          <a:chExt cx="0" cy="0"/>
-        </a:xfrm>
-      </p:grpSpPr>
-      <p:sp>
-        <p:nvSpPr>
-          <p:cNvPr id="2" name="Title 1"/>
-          <p:cNvSpPr>
-            <a:spLocks noGrp="1"/>
-          </p:cNvSpPr>
-          <p:nvPr>
-            <p:ph type="title"/>
-          </p:nvPr>
-        </p:nvSpPr>
-        <p:spPr/>
-        <p:txBody>
-          <a:bodyPr/>
-          <a:lstStyle/>
-          <a:p>
-            <a:r>
-              <a:rPr lang="en-US" dirty="0" smtClean="0"/>
-              <a:t>Agreement for linked paired model</a:t>
-            </a:r>
-            <a:endParaRPr lang="en-US" dirty="0"/>
-          </a:p>
-        </p:txBody>
-      </p:sp>
-      <p:sp>
-        <p:nvSpPr>
-          <p:cNvPr id="3" name="Content Placeholder 2"/>
-          <p:cNvSpPr>
-            <a:spLocks noGrp="1"/>
-          </p:cNvSpPr>
-          <p:nvPr>
-            <p:ph idx="1"/>
-          </p:nvPr>
-        </p:nvSpPr>
-        <p:spPr/>
-        <p:txBody>
-          <a:bodyPr/>
-          <a:lstStyle/>
-          <a:p>
-            <a:endParaRPr lang="en-US" dirty="0" smtClean="0"/>
-          </a:p>
-          <a:p>
-            <a:endParaRPr lang="en-US" dirty="0"/>
-          </a:p>
-          <a:p>
-            <a:endParaRPr lang="en-US" dirty="0" smtClean="0"/>
-          </a:p>
-          <a:p>
-            <a:endParaRPr lang="en-US" dirty="0"/>
-          </a:p>
-        </p:txBody>
-      </p:sp>
-      <p:pic>
-        <p:nvPicPr>
-          <p:cNvPr id="4" name="Picture 3"/>
-          <p:cNvPicPr>
-            <a:picLocks noChangeAspect="1"/>
-          </p:cNvPicPr>
-          <p:nvPr/>
-        </p:nvPicPr>
-        <p:blipFill>
-          <a:blip r:embed="rId2"/>
-          <a:stretch>
-            <a:fillRect/>
-          </a:stretch>
-        </p:blipFill>
-        <p:spPr>
-          <a:xfrm>
-            <a:off x="986678" y="1825625"/>
-            <a:ext cx="4837425" cy="809569"/>
-          </a:xfrm>
-          <a:prstGeom prst="rect">
-            <a:avLst/>
-          </a:prstGeom>
-        </p:spPr>
-      </p:pic>
-      <p:pic>
-        <p:nvPicPr>
-          <p:cNvPr id="5" name="Picture 4"/>
-          <p:cNvPicPr>
-            <a:picLocks noChangeAspect="1"/>
-          </p:cNvPicPr>
-          <p:nvPr/>
-        </p:nvPicPr>
-        <p:blipFill>
-          <a:blip r:embed="rId3"/>
-          <a:stretch>
-            <a:fillRect/>
-          </a:stretch>
-        </p:blipFill>
-        <p:spPr>
-          <a:xfrm>
-            <a:off x="864825" y="2956956"/>
-            <a:ext cx="6957867" cy="627855"/>
-          </a:xfrm>
-          <a:prstGeom prst="rect">
-            <a:avLst/>
-          </a:prstGeom>
-        </p:spPr>
-      </p:pic>
-    </p:spTree>
-    <p:extLst>
-      <p:ext uri="{BB962C8B-B14F-4D97-AF65-F5344CB8AC3E}">
-        <p14:creationId xmlns:p14="http://schemas.microsoft.com/office/powerpoint/2010/main" val="614369326"/>
-      </p:ext>
-    </p:extLst>
-  </p:cSld>
-  <p:clrMapOvr>
-    <a:masterClrMapping/>
-  </p:clrMapOvr>
-</p:sld>
-</file>
-
-<file path=ppt/slides/slide17.xml><?xml version="1.0" encoding="utf-8"?>
-<p:sld xmlns:a="http://schemas.openxmlformats.org/drawingml/2006/main" xmlns:r="http://schemas.openxmlformats.org/officeDocument/2006/relationships" xmlns:p="http://schemas.openxmlformats.org/presentationml/2006/main">
-  <p:cSld>
-    <p:spTree>
-      <p:nvGrpSpPr>
-        <p:cNvPr id="1" name=""/>
-        <p:cNvGrpSpPr/>
-        <p:nvPr/>
-      </p:nvGrpSpPr>
-      <p:grpSpPr>
-        <a:xfrm>
-          <a:off x="0" y="0"/>
-          <a:ext cx="0" cy="0"/>
-          <a:chOff x="0" y="0"/>
-          <a:chExt cx="0" cy="0"/>
-        </a:xfrm>
-      </p:grpSpPr>
-      <p:sp>
-        <p:nvSpPr>
-          <p:cNvPr id="2" name="Title 1"/>
-          <p:cNvSpPr>
-            <a:spLocks noGrp="1"/>
-          </p:cNvSpPr>
-          <p:nvPr>
-            <p:ph type="title"/>
-          </p:nvPr>
-        </p:nvSpPr>
-        <p:spPr/>
-        <p:txBody>
-          <a:bodyPr>
-            <a:normAutofit/>
-          </a:bodyPr>
-          <a:lstStyle/>
-          <a:p>
-            <a:r>
-              <a:rPr lang="en-US" dirty="0" smtClean="0"/>
-              <a:t>Repeatability</a:t>
-            </a:r>
-            <a:br>
-              <a:rPr lang="en-US" dirty="0" smtClean="0"/>
-            </a:br>
-            <a:endParaRPr lang="en-US" dirty="0"/>
-          </a:p>
-        </p:txBody>
-      </p:sp>
-      <p:sp>
-        <p:nvSpPr>
-          <p:cNvPr id="3" name="Content Placeholder 2"/>
-          <p:cNvSpPr>
-            <a:spLocks noGrp="1"/>
-          </p:cNvSpPr>
-          <p:nvPr>
-            <p:ph idx="1"/>
-          </p:nvPr>
-        </p:nvSpPr>
-        <p:spPr/>
-        <p:txBody>
-          <a:bodyPr/>
-          <a:lstStyle/>
-          <a:p>
-            <a:r>
-              <a:rPr lang="en-US" dirty="0" smtClean="0"/>
-              <a:t>Repeatability of a method refers to its agreement with itself</a:t>
-            </a:r>
-          </a:p>
-          <a:p>
-            <a:r>
-              <a:rPr lang="en-US" dirty="0" smtClean="0"/>
-              <a:t>Instead of looking for agreement between Y</a:t>
-            </a:r>
-            <a:r>
-              <a:rPr lang="en-US" baseline="-25000" dirty="0" smtClean="0"/>
-              <a:t>1</a:t>
-            </a:r>
-            <a:r>
-              <a:rPr lang="en-US" dirty="0" smtClean="0"/>
-              <a:t> and Y</a:t>
-            </a:r>
-            <a:r>
-              <a:rPr lang="en-US" baseline="-25000" dirty="0" smtClean="0"/>
-              <a:t>2</a:t>
-            </a:r>
-            <a:r>
-              <a:rPr lang="en-US" dirty="0" smtClean="0"/>
-              <a:t>, we are interested in agreement between Y</a:t>
-            </a:r>
-            <a:r>
-              <a:rPr lang="en-US" baseline="-25000" dirty="0" smtClean="0"/>
-              <a:t>1</a:t>
-            </a:r>
-            <a:r>
-              <a:rPr lang="en-US" dirty="0" smtClean="0"/>
-              <a:t> and Y</a:t>
-            </a:r>
-            <a:r>
-              <a:rPr lang="en-US" baseline="-25000" dirty="0" smtClean="0"/>
-              <a:t>1</a:t>
-            </a:r>
-            <a:r>
-              <a:rPr lang="en-US" dirty="0" smtClean="0"/>
-              <a:t>* as well as Y</a:t>
-            </a:r>
-            <a:r>
-              <a:rPr lang="en-US" baseline="-25000" dirty="0" smtClean="0"/>
-              <a:t>2</a:t>
-            </a:r>
-            <a:r>
-              <a:rPr lang="en-US" dirty="0" smtClean="0"/>
-              <a:t> and Y</a:t>
-            </a:r>
-            <a:r>
-              <a:rPr lang="en-US" baseline="-25000" dirty="0" smtClean="0"/>
-              <a:t>2</a:t>
-            </a:r>
-            <a:r>
-              <a:rPr lang="en-US" dirty="0" smtClean="0"/>
-              <a:t>* where (</a:t>
-            </a:r>
-            <a:r>
-              <a:rPr lang="en-US" dirty="0" smtClean="0"/>
-              <a:t>Y</a:t>
-            </a:r>
-            <a:r>
-              <a:rPr lang="en-US" baseline="-25000" dirty="0" smtClean="0"/>
-              <a:t>1</a:t>
-            </a:r>
-            <a:r>
-              <a:rPr lang="en-US" dirty="0" smtClean="0"/>
-              <a:t>*, </a:t>
-            </a:r>
-            <a:r>
-              <a:rPr lang="en-US" dirty="0" smtClean="0"/>
-              <a:t>Y</a:t>
-            </a:r>
-            <a:r>
-              <a:rPr lang="en-US" baseline="-25000" dirty="0" smtClean="0"/>
-              <a:t>2</a:t>
-            </a:r>
-            <a:r>
-              <a:rPr lang="en-US" dirty="0" smtClean="0"/>
-              <a:t>*) is another pair of measurements taken by the two methods on the same subject.</a:t>
-            </a:r>
-            <a:endParaRPr lang="en-US" dirty="0" smtClean="0"/>
-          </a:p>
-          <a:p>
-            <a:r>
-              <a:rPr lang="en-US" dirty="0" smtClean="0"/>
-              <a:t>The difference between </a:t>
-            </a:r>
-            <a:r>
-              <a:rPr lang="en-US" dirty="0" smtClean="0"/>
-              <a:t>Y</a:t>
-            </a:r>
-            <a:r>
-              <a:rPr lang="en-US" baseline="-25000" dirty="0" smtClean="0"/>
-              <a:t>1</a:t>
-            </a:r>
-            <a:r>
-              <a:rPr lang="en-US" dirty="0" smtClean="0"/>
-              <a:t> and Y</a:t>
-            </a:r>
-            <a:r>
-              <a:rPr lang="en-US" baseline="-25000" dirty="0" smtClean="0"/>
-              <a:t>1</a:t>
-            </a:r>
-            <a:r>
-              <a:rPr lang="en-US" dirty="0" smtClean="0"/>
-              <a:t>* will depend only on the error </a:t>
-            </a:r>
-            <a:r>
-              <a:rPr lang="en-US" i="1" dirty="0" smtClean="0"/>
-              <a:t>e</a:t>
-            </a:r>
-            <a:r>
-              <a:rPr lang="en-US" dirty="0" smtClean="0"/>
-              <a:t> and subject × time interaction </a:t>
-            </a:r>
-            <a:r>
-              <a:rPr lang="en-US" dirty="0" err="1" smtClean="0"/>
-              <a:t>b</a:t>
-            </a:r>
-            <a:r>
-              <a:rPr lang="en-US" baseline="-25000" dirty="0" err="1" smtClean="0"/>
-              <a:t>ik</a:t>
-            </a:r>
-            <a:r>
-              <a:rPr lang="en-US" dirty="0" smtClean="0"/>
-              <a:t>*</a:t>
-            </a:r>
-            <a:endParaRPr lang="en-US" dirty="0" smtClean="0"/>
-          </a:p>
-          <a:p>
-            <a:endParaRPr lang="en-US" dirty="0"/>
-          </a:p>
-        </p:txBody>
-      </p:sp>
-      <p:pic>
-        <p:nvPicPr>
-          <p:cNvPr id="5" name="Picture 4"/>
-          <p:cNvPicPr>
-            <a:picLocks noChangeAspect="1"/>
-          </p:cNvPicPr>
-          <p:nvPr/>
-        </p:nvPicPr>
-        <p:blipFill>
-          <a:blip r:embed="rId2"/>
-          <a:stretch>
-            <a:fillRect/>
-          </a:stretch>
-        </p:blipFill>
-        <p:spPr>
-          <a:xfrm>
-            <a:off x="1801905" y="5086127"/>
-            <a:ext cx="6738733" cy="1552179"/>
-          </a:xfrm>
-          <a:prstGeom prst="rect">
-            <a:avLst/>
-          </a:prstGeom>
-        </p:spPr>
-      </p:pic>
-    </p:spTree>
-    <p:extLst>
-      <p:ext uri="{BB962C8B-B14F-4D97-AF65-F5344CB8AC3E}">
-        <p14:creationId xmlns:p14="http://schemas.microsoft.com/office/powerpoint/2010/main" val="4043731257"/>
-      </p:ext>
-    </p:extLst>
-  </p:cSld>
-  <p:clrMapOvr>
-    <a:masterClrMapping/>
-  </p:clrMapOvr>
-</p:sld>
-</file>
-
-<file path=ppt/slides/slide18.xml><?xml version="1.0" encoding="utf-8"?>
-<p:sld xmlns:a="http://schemas.openxmlformats.org/drawingml/2006/main" xmlns:r="http://schemas.openxmlformats.org/officeDocument/2006/relationships" xmlns:p="http://schemas.openxmlformats.org/presentationml/2006/main">
-  <p:cSld>
-    <p:spTree>
-      <p:nvGrpSpPr>
-        <p:cNvPr id="1" name=""/>
-        <p:cNvGrpSpPr/>
-        <p:nvPr/>
-      </p:nvGrpSpPr>
-      <p:grpSpPr>
-        <a:xfrm>
-          <a:off x="0" y="0"/>
-          <a:ext cx="0" cy="0"/>
-          <a:chOff x="0" y="0"/>
-          <a:chExt cx="0" cy="0"/>
-        </a:xfrm>
-      </p:grpSpPr>
-      <p:sp>
-        <p:nvSpPr>
-          <p:cNvPr id="2" name="Title 1"/>
-          <p:cNvSpPr>
-            <a:spLocks noGrp="1"/>
-          </p:cNvSpPr>
-          <p:nvPr>
-            <p:ph type="title"/>
-          </p:nvPr>
-        </p:nvSpPr>
-        <p:spPr/>
-        <p:txBody>
-          <a:bodyPr/>
-          <a:lstStyle/>
-          <a:p>
-            <a:r>
-              <a:rPr lang="en-US" dirty="0" smtClean="0"/>
-              <a:t>Example – Oxygen saturation 2</a:t>
-            </a:r>
-            <a:endParaRPr lang="en-US" dirty="0"/>
-          </a:p>
-        </p:txBody>
-      </p:sp>
-      <p:sp>
-        <p:nvSpPr>
-          <p:cNvPr id="3" name="Content Placeholder 2"/>
-          <p:cNvSpPr>
-            <a:spLocks noGrp="1"/>
-          </p:cNvSpPr>
-          <p:nvPr>
-            <p:ph idx="1"/>
-          </p:nvPr>
-        </p:nvSpPr>
-        <p:spPr/>
-        <p:txBody>
-          <a:bodyPr/>
-          <a:lstStyle/>
-          <a:p>
-            <a:endParaRPr lang="en-US"/>
-          </a:p>
-        </p:txBody>
-      </p:sp>
-      <p:pic>
-        <p:nvPicPr>
-          <p:cNvPr id="4" name="Picture 3"/>
-          <p:cNvPicPr>
-            <a:picLocks noChangeAspect="1"/>
-          </p:cNvPicPr>
-          <p:nvPr/>
-        </p:nvPicPr>
-        <p:blipFill>
-          <a:blip r:embed="rId2"/>
-          <a:stretch>
-            <a:fillRect/>
-          </a:stretch>
-        </p:blipFill>
-        <p:spPr>
-          <a:xfrm>
-            <a:off x="440976" y="1599993"/>
-            <a:ext cx="5496687" cy="5101675"/>
-          </a:xfrm>
-          <a:prstGeom prst="rect">
-            <a:avLst/>
-          </a:prstGeom>
-        </p:spPr>
-      </p:pic>
-      <p:pic>
-        <p:nvPicPr>
-          <p:cNvPr id="6" name="Picture 5"/>
-          <p:cNvPicPr>
-            <a:picLocks noChangeAspect="1"/>
-          </p:cNvPicPr>
-          <p:nvPr/>
-        </p:nvPicPr>
-        <p:blipFill>
-          <a:blip r:embed="rId3"/>
-          <a:stretch>
-            <a:fillRect/>
-          </a:stretch>
-        </p:blipFill>
-        <p:spPr>
-          <a:xfrm>
-            <a:off x="6581784" y="1825625"/>
-            <a:ext cx="4889779" cy="4026263"/>
-          </a:xfrm>
-          <a:prstGeom prst="rect">
-            <a:avLst/>
-          </a:prstGeom>
-        </p:spPr>
-      </p:pic>
-    </p:spTree>
-    <p:extLst>
-      <p:ext uri="{BB962C8B-B14F-4D97-AF65-F5344CB8AC3E}">
-        <p14:creationId xmlns:p14="http://schemas.microsoft.com/office/powerpoint/2010/main" val="3026883897"/>
-      </p:ext>
-    </p:extLst>
-  </p:cSld>
-  <p:clrMapOvr>
-    <a:masterClrMapping/>
-  </p:clrMapOvr>
-</p:sld>
-</file>
-
-<file path=ppt/slides/slide19.xml><?xml version="1.0" encoding="utf-8"?>
-<p:sld xmlns:a="http://schemas.openxmlformats.org/drawingml/2006/main" xmlns:r="http://schemas.openxmlformats.org/officeDocument/2006/relationships" xmlns:p="http://schemas.openxmlformats.org/presentationml/2006/main">
-  <p:cSld>
-    <p:spTree>
-      <p:nvGrpSpPr>
-        <p:cNvPr id="1" name=""/>
-        <p:cNvGrpSpPr/>
-        <p:nvPr/>
-      </p:nvGrpSpPr>
-      <p:grpSpPr>
-        <a:xfrm>
-          <a:off x="0" y="0"/>
-          <a:ext cx="0" cy="0"/>
-          <a:chOff x="0" y="0"/>
-          <a:chExt cx="0" cy="0"/>
-        </a:xfrm>
-      </p:grpSpPr>
-      <p:sp>
-        <p:nvSpPr>
-          <p:cNvPr id="2" name="Title 1"/>
-          <p:cNvSpPr>
-            <a:spLocks noGrp="1"/>
-          </p:cNvSpPr>
-          <p:nvPr>
-            <p:ph type="title"/>
-          </p:nvPr>
-        </p:nvSpPr>
-        <p:spPr/>
-        <p:txBody>
-          <a:bodyPr/>
-          <a:lstStyle/>
-          <a:p>
-            <a:r>
-              <a:rPr lang="en-US" dirty="0" smtClean="0"/>
-              <a:t>Example – </a:t>
-            </a:r>
-            <a:br>
-              <a:rPr lang="en-US" dirty="0" smtClean="0"/>
-            </a:br>
-            <a:r>
-              <a:rPr lang="en-US" dirty="0" smtClean="0"/>
-              <a:t>Oxygen saturation 2</a:t>
-            </a:r>
-            <a:endParaRPr lang="en-US" dirty="0"/>
-          </a:p>
-        </p:txBody>
-      </p:sp>
-      <p:sp>
-        <p:nvSpPr>
-          <p:cNvPr id="5" name="Content Placeholder 4"/>
-          <p:cNvSpPr>
-            <a:spLocks noGrp="1"/>
-          </p:cNvSpPr>
-          <p:nvPr>
-            <p:ph idx="1"/>
-          </p:nvPr>
-        </p:nvSpPr>
-        <p:spPr>
-          <a:xfrm>
-            <a:off x="838200" y="1825625"/>
-            <a:ext cx="5170714" cy="4351338"/>
-          </a:xfrm>
-        </p:spPr>
-        <p:txBody>
-          <a:bodyPr/>
-          <a:lstStyle/>
-          <a:p>
-            <a:r>
-              <a:rPr lang="en-US" dirty="0" smtClean="0"/>
-              <a:t>pulse oximetry (method 1) </a:t>
-            </a:r>
-          </a:p>
-          <a:p>
-            <a:r>
-              <a:rPr lang="en-US" dirty="0" smtClean="0"/>
-              <a:t>CO-oximetry (method 2)</a:t>
-            </a:r>
-          </a:p>
-          <a:p>
-            <a:endParaRPr lang="en-US" dirty="0"/>
-          </a:p>
-          <a:p>
-            <a:r>
-              <a:rPr lang="en-US" dirty="0" smtClean="0"/>
-              <a:t>There are between one and three paired measurements over time by the two methods on each infant</a:t>
-            </a:r>
-            <a:endParaRPr lang="en-US" dirty="0"/>
-          </a:p>
-        </p:txBody>
-      </p:sp>
-      <p:pic>
-        <p:nvPicPr>
-          <p:cNvPr id="6" name="Picture 5"/>
-          <p:cNvPicPr>
-            <a:picLocks noChangeAspect="1"/>
-          </p:cNvPicPr>
-          <p:nvPr/>
-        </p:nvPicPr>
-        <p:blipFill>
-          <a:blip r:embed="rId2"/>
-          <a:stretch>
-            <a:fillRect/>
-          </a:stretch>
-        </p:blipFill>
-        <p:spPr>
-          <a:xfrm>
-            <a:off x="6341832" y="201352"/>
-            <a:ext cx="5011968" cy="6115726"/>
-          </a:xfrm>
-          <a:prstGeom prst="rect">
-            <a:avLst/>
-          </a:prstGeom>
-        </p:spPr>
-      </p:pic>
-    </p:spTree>
-    <p:extLst>
-      <p:ext uri="{BB962C8B-B14F-4D97-AF65-F5344CB8AC3E}">
-        <p14:creationId xmlns:p14="http://schemas.microsoft.com/office/powerpoint/2010/main" val="2972446033"/>
-      </p:ext>
-    </p:extLst>
-  </p:cSld>
-  <p:clrMapOvr>
-    <a:masterClrMapping/>
-  </p:clrMapOvr>
-</p:sld>
-</file>
-
-<file path=ppt/slides/slide2.xml><?xml version="1.0" encoding="utf-8"?>
-<p:sld xmlns:a="http://schemas.openxmlformats.org/drawingml/2006/main" xmlns:r="http://schemas.openxmlformats.org/officeDocument/2006/relationships" xmlns:p="http://schemas.openxmlformats.org/presentationml/2006/main">
-  <p:cSld>
-    <p:spTree>
-      <p:nvGrpSpPr>
-        <p:cNvPr id="1" name=""/>
-        <p:cNvGrpSpPr/>
-        <p:nvPr/>
-      </p:nvGrpSpPr>
-      <p:grpSpPr>
-        <a:xfrm>
-          <a:off x="0" y="0"/>
-          <a:ext cx="0" cy="0"/>
-          <a:chOff x="0" y="0"/>
-          <a:chExt cx="0" cy="0"/>
-        </a:xfrm>
-      </p:grpSpPr>
-      <p:sp>
-        <p:nvSpPr>
-          <p:cNvPr id="2" name="Title 1"/>
-          <p:cNvSpPr>
-            <a:spLocks noGrp="1"/>
-          </p:cNvSpPr>
-          <p:nvPr>
-            <p:ph type="title"/>
-          </p:nvPr>
-        </p:nvSpPr>
-        <p:spPr/>
-        <p:txBody>
-          <a:bodyPr/>
-          <a:lstStyle/>
-          <a:p>
-            <a:r>
-              <a:rPr lang="en-US" dirty="0" smtClean="0"/>
-              <a:t>A Statistical Model for Measurements</a:t>
-            </a:r>
-            <a:endParaRPr lang="en-US" dirty="0"/>
-          </a:p>
-        </p:txBody>
-      </p:sp>
-      <p:sp>
-        <p:nvSpPr>
-          <p:cNvPr id="3" name="Content Placeholder 2"/>
-          <p:cNvSpPr>
-            <a:spLocks noGrp="1"/>
-          </p:cNvSpPr>
-          <p:nvPr>
-            <p:ph idx="1"/>
-          </p:nvPr>
-        </p:nvSpPr>
-        <p:spPr/>
-        <p:txBody>
-          <a:bodyPr/>
-          <a:lstStyle/>
-          <a:p>
-            <a:pPr marL="0" indent="0">
-              <a:buNone/>
-            </a:pPr>
-            <a:endParaRPr lang="en-US" dirty="0" smtClean="0"/>
-          </a:p>
-          <a:p>
-            <a:pPr marL="0" indent="0">
-              <a:buNone/>
-            </a:pPr>
-            <a:endParaRPr lang="en-US" dirty="0"/>
-          </a:p>
-          <a:p>
-            <a:endParaRPr lang="en-US" dirty="0" smtClean="0"/>
-          </a:p>
-          <a:p>
-            <a:endParaRPr lang="en-US" dirty="0"/>
-          </a:p>
-          <a:p>
-            <a:r>
-              <a:rPr lang="en-US" dirty="0" smtClean="0"/>
-              <a:t>Bias</a:t>
-            </a:r>
-          </a:p>
-          <a:p>
-            <a:r>
-              <a:rPr lang="en-US" dirty="0" smtClean="0"/>
-              <a:t>Accuracy</a:t>
-            </a:r>
-          </a:p>
-          <a:p>
-            <a:r>
-              <a:rPr lang="en-US" dirty="0" smtClean="0"/>
-              <a:t>Precision</a:t>
-            </a:r>
-          </a:p>
-          <a:p>
-            <a:r>
-              <a:rPr lang="en-US" dirty="0" smtClean="0"/>
-              <a:t>Reliability</a:t>
-            </a:r>
-            <a:endParaRPr lang="en-US" dirty="0"/>
-          </a:p>
-        </p:txBody>
-      </p:sp>
-      <p:pic>
-        <p:nvPicPr>
-          <p:cNvPr id="4" name="Picture 3"/>
-          <p:cNvPicPr>
-            <a:picLocks noChangeAspect="1"/>
-          </p:cNvPicPr>
-          <p:nvPr/>
-        </p:nvPicPr>
-        <p:blipFill>
-          <a:blip r:embed="rId2"/>
-          <a:stretch>
-            <a:fillRect/>
-          </a:stretch>
-        </p:blipFill>
-        <p:spPr>
-          <a:xfrm>
-            <a:off x="1174093" y="1825624"/>
-            <a:ext cx="8955559" cy="1787269"/>
-          </a:xfrm>
-          <a:prstGeom prst="rect">
-            <a:avLst/>
-          </a:prstGeom>
-        </p:spPr>
-      </p:pic>
-    </p:spTree>
-    <p:extLst>
-      <p:ext uri="{BB962C8B-B14F-4D97-AF65-F5344CB8AC3E}">
-        <p14:creationId xmlns:p14="http://schemas.microsoft.com/office/powerpoint/2010/main" val="3443272940"/>
-      </p:ext>
-    </p:extLst>
-  </p:cSld>
-  <p:clrMapOvr>
-    <a:masterClrMapping/>
-  </p:clrMapOvr>
-</p:sld>
-</file>
-
-<file path=ppt/slides/slide20.xml><?xml version="1.0" encoding="utf-8"?>
-<p:sld xmlns:a="http://schemas.openxmlformats.org/drawingml/2006/main" xmlns:r="http://schemas.openxmlformats.org/officeDocument/2006/relationships" xmlns:p="http://schemas.openxmlformats.org/presentationml/2006/main">
-  <p:cSld>
-    <p:spTree>
-      <p:nvGrpSpPr>
-        <p:cNvPr id="1" name=""/>
-        <p:cNvGrpSpPr/>
-        <p:nvPr/>
-      </p:nvGrpSpPr>
-      <p:grpSpPr>
-        <a:xfrm>
-          <a:off x="0" y="0"/>
-          <a:ext cx="0" cy="0"/>
-          <a:chOff x="0" y="0"/>
-          <a:chExt cx="0" cy="0"/>
-        </a:xfrm>
-      </p:grpSpPr>
-      <p:sp>
-        <p:nvSpPr>
-          <p:cNvPr id="2" name="Title 1"/>
-          <p:cNvSpPr>
-            <a:spLocks noGrp="1"/>
-          </p:cNvSpPr>
-          <p:nvPr>
-            <p:ph type="title"/>
-          </p:nvPr>
-        </p:nvSpPr>
-        <p:spPr/>
-        <p:txBody>
-          <a:bodyPr/>
-          <a:lstStyle/>
-          <a:p>
-            <a:r>
-              <a:rPr lang="en-US" dirty="0" smtClean="0"/>
-              <a:t>Key steps in Method </a:t>
-            </a:r>
-            <a:r>
-              <a:rPr lang="en-US" dirty="0" err="1" smtClean="0"/>
-              <a:t>Comparisson</a:t>
-            </a:r>
-            <a:endParaRPr lang="en-US" dirty="0"/>
-          </a:p>
-        </p:txBody>
-      </p:sp>
-      <p:sp>
-        <p:nvSpPr>
-          <p:cNvPr id="3" name="Content Placeholder 2"/>
-          <p:cNvSpPr>
-            <a:spLocks noGrp="1"/>
-          </p:cNvSpPr>
-          <p:nvPr>
-            <p:ph idx="1"/>
-          </p:nvPr>
-        </p:nvSpPr>
-        <p:spPr/>
-        <p:txBody>
-          <a:bodyPr/>
-          <a:lstStyle/>
-          <a:p>
-            <a:r>
-              <a:rPr lang="en-US" dirty="0" smtClean="0"/>
-              <a:t>Perform exploratory data analysis</a:t>
-            </a:r>
-          </a:p>
-          <a:p>
-            <a:r>
-              <a:rPr lang="en-US" dirty="0" smtClean="0"/>
-              <a:t>Display data graphically using </a:t>
-            </a:r>
-            <a:r>
-              <a:rPr lang="en-US" dirty="0" err="1" smtClean="0"/>
-              <a:t>scatterplt</a:t>
-            </a:r>
-            <a:r>
-              <a:rPr lang="en-US" dirty="0" smtClean="0"/>
-              <a:t> and Bland-Altman plot</a:t>
-            </a:r>
-          </a:p>
-          <a:p>
-            <a:r>
-              <a:rPr lang="en-US" dirty="0" smtClean="0"/>
-              <a:t>Apply appropriate error model and fit the data to the model. Check goodness of fit.</a:t>
-            </a:r>
-          </a:p>
-          <a:p>
-            <a:r>
-              <a:rPr lang="en-US" dirty="0" smtClean="0"/>
-              <a:t>Evaluate similarity between the methods</a:t>
-            </a:r>
-          </a:p>
-          <a:p>
-            <a:r>
-              <a:rPr lang="en-US" dirty="0" smtClean="0"/>
-              <a:t>Evaluate agreement between the methods</a:t>
-            </a:r>
-          </a:p>
-          <a:p>
-            <a:endParaRPr lang="en-US" dirty="0"/>
-          </a:p>
-        </p:txBody>
-      </p:sp>
-    </p:spTree>
-    <p:extLst>
-      <p:ext uri="{BB962C8B-B14F-4D97-AF65-F5344CB8AC3E}">
-        <p14:creationId xmlns:p14="http://schemas.microsoft.com/office/powerpoint/2010/main" val="3631478636"/>
-      </p:ext>
-    </p:extLst>
-  </p:cSld>
-  <p:clrMapOvr>
-    <a:masterClrMapping/>
-  </p:clrMapOvr>
-</p:sld>
-</file>
-
-<file path=ppt/slides/slide3.xml><?xml version="1.0" encoding="utf-8"?>
-<p:sld xmlns:a="http://schemas.openxmlformats.org/drawingml/2006/main" xmlns:r="http://schemas.openxmlformats.org/officeDocument/2006/relationships" xmlns:p="http://schemas.openxmlformats.org/presentationml/2006/main">
-  <p:cSld>
-    <p:spTree>
-      <p:nvGrpSpPr>
-        <p:cNvPr id="1" name=""/>
-        <p:cNvGrpSpPr/>
-        <p:nvPr/>
-      </p:nvGrpSpPr>
-      <p:grpSpPr>
-        <a:xfrm>
-          <a:off x="0" y="0"/>
-          <a:ext cx="0" cy="0"/>
-          <a:chOff x="0" y="0"/>
-          <a:chExt cx="0" cy="0"/>
-        </a:xfrm>
-      </p:grpSpPr>
-      <p:sp>
-        <p:nvSpPr>
-          <p:cNvPr id="2" name="Title 1"/>
-          <p:cNvSpPr>
-            <a:spLocks noGrp="1"/>
-          </p:cNvSpPr>
-          <p:nvPr>
-            <p:ph type="title"/>
-          </p:nvPr>
-        </p:nvSpPr>
-        <p:spPr/>
-        <p:txBody>
-          <a:bodyPr/>
-          <a:lstStyle/>
-          <a:p>
-            <a:r>
-              <a:rPr lang="en-US" dirty="0" smtClean="0"/>
-              <a:t>Goals of Method </a:t>
-            </a:r>
-            <a:r>
-              <a:rPr lang="en-US" dirty="0" err="1" smtClean="0"/>
-              <a:t>Comparisson</a:t>
-            </a:r>
-            <a:r>
-              <a:rPr lang="en-US" dirty="0" smtClean="0"/>
-              <a:t> Study</a:t>
-            </a:r>
-            <a:endParaRPr lang="en-US" dirty="0"/>
-          </a:p>
-        </p:txBody>
-      </p:sp>
-      <p:sp>
-        <p:nvSpPr>
-          <p:cNvPr id="3" name="Content Placeholder 2"/>
-          <p:cNvSpPr>
-            <a:spLocks noGrp="1"/>
-          </p:cNvSpPr>
-          <p:nvPr>
-            <p:ph idx="1"/>
-          </p:nvPr>
-        </p:nvSpPr>
-        <p:spPr/>
-        <p:txBody>
-          <a:bodyPr/>
-          <a:lstStyle/>
-          <a:p>
-            <a:r>
-              <a:rPr lang="en-US" dirty="0" smtClean="0"/>
-              <a:t>To quantify the extent of agreement between the measurement methods and determine whether they have sufﬁcient agreement so that we can use them “interchangeably” for a particular purpose. </a:t>
-            </a:r>
-          </a:p>
-          <a:p>
-            <a:pPr lvl="1"/>
-            <a:r>
-              <a:rPr lang="en-US" dirty="0" smtClean="0"/>
-              <a:t>By interchangeable use we mean that a measurement from one method on a subject can be replaced by a measurement from another method without causing any difference in the practical use of the measurement.</a:t>
-            </a:r>
-          </a:p>
-          <a:p>
-            <a:r>
-              <a:rPr lang="en-US" dirty="0" smtClean="0"/>
-              <a:t> To compare characteristics of the measurement methods—such as their biases, precisions, and sensitivities—to ﬁnd the similarities in the methods.</a:t>
-            </a:r>
-          </a:p>
-          <a:p>
-            <a:r>
-              <a:rPr lang="en-US" dirty="0" smtClean="0"/>
-              <a:t>Measuring agreement is not the same as </a:t>
-            </a:r>
-            <a:r>
-              <a:rPr lang="en-US" dirty="0" err="1" smtClean="0"/>
-              <a:t>callibration</a:t>
-            </a:r>
-            <a:endParaRPr lang="en-US" dirty="0" smtClean="0"/>
-          </a:p>
-          <a:p>
-            <a:endParaRPr lang="en-US" dirty="0"/>
-          </a:p>
-        </p:txBody>
-      </p:sp>
-    </p:spTree>
-    <p:extLst>
-      <p:ext uri="{BB962C8B-B14F-4D97-AF65-F5344CB8AC3E}">
-        <p14:creationId xmlns:p14="http://schemas.microsoft.com/office/powerpoint/2010/main" val="688303629"/>
-      </p:ext>
-    </p:extLst>
-  </p:cSld>
-  <p:clrMapOvr>
-    <a:masterClrMapping/>
-  </p:clrMapOvr>
-</p:sld>
-</file>
-
-<file path=ppt/slides/slide4.xml><?xml version="1.0" encoding="utf-8"?>
-<p:sld xmlns:a="http://schemas.openxmlformats.org/drawingml/2006/main" xmlns:r="http://schemas.openxmlformats.org/officeDocument/2006/relationships" xmlns:p="http://schemas.openxmlformats.org/presentationml/2006/main">
-  <p:cSld>
-    <p:spTree>
-      <p:nvGrpSpPr>
-        <p:cNvPr id="1" name=""/>
-        <p:cNvGrpSpPr/>
-        <p:nvPr/>
-      </p:nvGrpSpPr>
-      <p:grpSpPr>
-        <a:xfrm>
-          <a:off x="0" y="0"/>
-          <a:ext cx="0" cy="0"/>
-          <a:chOff x="0" y="0"/>
-          <a:chExt cx="0" cy="0"/>
-        </a:xfrm>
-      </p:grpSpPr>
-      <p:sp>
-        <p:nvSpPr>
-          <p:cNvPr id="2" name="Title 1"/>
-          <p:cNvSpPr>
-            <a:spLocks noGrp="1"/>
-          </p:cNvSpPr>
-          <p:nvPr>
-            <p:ph type="title"/>
-          </p:nvPr>
-        </p:nvSpPr>
-        <p:spPr>
-          <a:xfrm>
-            <a:off x="533546" y="697634"/>
-            <a:ext cx="4169083" cy="1325563"/>
-          </a:xfrm>
-        </p:spPr>
-        <p:txBody>
-          <a:bodyPr>
-            <a:normAutofit/>
-          </a:bodyPr>
-          <a:lstStyle/>
-          <a:p>
-            <a:r>
-              <a:rPr lang="en-US" dirty="0" smtClean="0"/>
-              <a:t>Meaning of the agreement</a:t>
-            </a:r>
-            <a:endParaRPr lang="en-US" dirty="0"/>
-          </a:p>
-        </p:txBody>
-      </p:sp>
-      <p:pic>
-        <p:nvPicPr>
-          <p:cNvPr id="4" name="Content Placeholder 3"/>
-          <p:cNvPicPr>
-            <a:picLocks noGrp="1" noChangeAspect="1"/>
-          </p:cNvPicPr>
-          <p:nvPr>
-            <p:ph idx="1"/>
-          </p:nvPr>
-        </p:nvPicPr>
-        <p:blipFill>
-          <a:blip r:embed="rId2"/>
-          <a:stretch>
-            <a:fillRect/>
-          </a:stretch>
-        </p:blipFill>
-        <p:spPr>
-          <a:xfrm>
-            <a:off x="4789573" y="0"/>
-            <a:ext cx="7144987" cy="6365172"/>
-          </a:xfrm>
-          <a:prstGeom prst="rect">
-            <a:avLst/>
-          </a:prstGeom>
-        </p:spPr>
-      </p:pic>
-      <p:pic>
-        <p:nvPicPr>
-          <p:cNvPr id="5" name="Picture 4"/>
-          <p:cNvPicPr>
-            <a:picLocks noChangeAspect="1"/>
-          </p:cNvPicPr>
-          <p:nvPr/>
-        </p:nvPicPr>
-        <p:blipFill>
-          <a:blip r:embed="rId3"/>
-          <a:stretch>
-            <a:fillRect/>
-          </a:stretch>
-        </p:blipFill>
-        <p:spPr>
-          <a:xfrm>
-            <a:off x="139663" y="2476018"/>
-            <a:ext cx="5141643" cy="635318"/>
-          </a:xfrm>
-          <a:prstGeom prst="rect">
-            <a:avLst/>
-          </a:prstGeom>
-        </p:spPr>
-      </p:pic>
-      <p:sp>
-        <p:nvSpPr>
-          <p:cNvPr id="6" name="TextBox 5"/>
-          <p:cNvSpPr txBox="1"/>
-          <p:nvPr/>
-        </p:nvSpPr>
-        <p:spPr>
-          <a:xfrm>
-            <a:off x="816374" y="4091922"/>
-            <a:ext cx="2586029" cy="830997"/>
-          </a:xfrm>
-          <a:prstGeom prst="rect">
-            <a:avLst/>
-          </a:prstGeom>
-          <a:noFill/>
-        </p:spPr>
-        <p:txBody>
-          <a:bodyPr wrap="none" rtlCol="0">
-            <a:spAutoFit/>
-          </a:bodyPr>
-          <a:lstStyle/>
-          <a:p>
-            <a:r>
-              <a:rPr lang="en-US" sz="2400" dirty="0" smtClean="0"/>
-              <a:t>Perfect agreement:</a:t>
-            </a:r>
-          </a:p>
-          <a:p>
-            <a:endParaRPr lang="en-US" sz="2400" dirty="0"/>
-          </a:p>
-        </p:txBody>
-      </p:sp>
-      <p:pic>
-        <p:nvPicPr>
-          <p:cNvPr id="7" name="Picture 6"/>
-          <p:cNvPicPr>
-            <a:picLocks noChangeAspect="1"/>
-          </p:cNvPicPr>
-          <p:nvPr/>
-        </p:nvPicPr>
-        <p:blipFill>
-          <a:blip r:embed="rId4"/>
-          <a:stretch>
-            <a:fillRect/>
-          </a:stretch>
-        </p:blipFill>
-        <p:spPr>
-          <a:xfrm>
-            <a:off x="820290" y="4773959"/>
-            <a:ext cx="4202972" cy="546235"/>
-          </a:xfrm>
-          <a:prstGeom prst="rect">
-            <a:avLst/>
-          </a:prstGeom>
-        </p:spPr>
-      </p:pic>
-    </p:spTree>
-    <p:extLst>
-      <p:ext uri="{BB962C8B-B14F-4D97-AF65-F5344CB8AC3E}">
-        <p14:creationId xmlns:p14="http://schemas.microsoft.com/office/powerpoint/2010/main" val="3353109326"/>
-      </p:ext>
-    </p:extLst>
-  </p:cSld>
-  <p:clrMapOvr>
-    <a:masterClrMapping/>
-  </p:clrMapOvr>
-</p:sld>
-</file>
-
-<file path=ppt/slides/slide5.xml><?xml version="1.0" encoding="utf-8"?>
-<p:sld xmlns:a="http://schemas.openxmlformats.org/drawingml/2006/main" xmlns:r="http://schemas.openxmlformats.org/officeDocument/2006/relationships" xmlns:p="http://schemas.openxmlformats.org/presentationml/2006/main">
-  <p:cSld>
-    <p:spTree>
-      <p:nvGrpSpPr>
-        <p:cNvPr id="1" name=""/>
-        <p:cNvGrpSpPr/>
-        <p:nvPr/>
-      </p:nvGrpSpPr>
-      <p:grpSpPr>
-        <a:xfrm>
-          <a:off x="0" y="0"/>
-          <a:ext cx="0" cy="0"/>
-          <a:chOff x="0" y="0"/>
-          <a:chExt cx="0" cy="0"/>
-        </a:xfrm>
-      </p:grpSpPr>
-      <p:sp>
-        <p:nvSpPr>
-          <p:cNvPr id="2" name="Title 1"/>
-          <p:cNvSpPr>
-            <a:spLocks noGrp="1"/>
-          </p:cNvSpPr>
-          <p:nvPr>
-            <p:ph type="title"/>
-          </p:nvPr>
-        </p:nvSpPr>
-        <p:spPr/>
-        <p:txBody>
-          <a:bodyPr/>
-          <a:lstStyle/>
-          <a:p>
-            <a:r>
-              <a:rPr lang="en-US" dirty="0" smtClean="0"/>
-              <a:t>Measurement error model</a:t>
-            </a:r>
-            <a:endParaRPr lang="en-US" dirty="0"/>
-          </a:p>
-        </p:txBody>
-      </p:sp>
-      <p:sp>
-        <p:nvSpPr>
-          <p:cNvPr id="3" name="Content Placeholder 2"/>
-          <p:cNvSpPr>
-            <a:spLocks noGrp="1"/>
-          </p:cNvSpPr>
-          <p:nvPr>
-            <p:ph idx="1"/>
-          </p:nvPr>
-        </p:nvSpPr>
-        <p:spPr/>
-        <p:txBody>
-          <a:bodyPr>
-            <a:normAutofit/>
-          </a:bodyPr>
-          <a:lstStyle/>
-          <a:p>
-            <a:r>
-              <a:rPr lang="en-US" dirty="0" smtClean="0"/>
-              <a:t>Model with reference measurement</a:t>
-            </a:r>
-          </a:p>
-          <a:p>
-            <a:endParaRPr lang="en-US" dirty="0"/>
-          </a:p>
-          <a:p>
-            <a:endParaRPr lang="en-US" dirty="0" smtClean="0"/>
-          </a:p>
-          <a:p>
-            <a:r>
-              <a:rPr lang="en-US" dirty="0" smtClean="0"/>
-              <a:t>Orthogonal distance regression (Deming regression)</a:t>
-            </a:r>
-          </a:p>
-          <a:p>
-            <a:pPr lvl="1"/>
-            <a:r>
-              <a:rPr lang="en-US" dirty="0" smtClean="0"/>
-              <a:t>Regression when both response variable Y2 and explanatory variable Y1 are measured with errors.</a:t>
-            </a:r>
-            <a:endParaRPr lang="en-US" dirty="0"/>
-          </a:p>
-          <a:p>
-            <a:pPr marL="457200" lvl="1" indent="0">
-              <a:buNone/>
-            </a:pPr>
-            <a:endParaRPr lang="en-US" dirty="0" smtClean="0"/>
-          </a:p>
-          <a:p>
-            <a:endParaRPr lang="en-US" dirty="0" smtClean="0"/>
-          </a:p>
-          <a:p>
-            <a:endParaRPr lang="en-US" dirty="0"/>
-          </a:p>
-        </p:txBody>
-      </p:sp>
-      <p:pic>
-        <p:nvPicPr>
-          <p:cNvPr id="4" name="Picture 3"/>
-          <p:cNvPicPr>
-            <a:picLocks noChangeAspect="1"/>
-          </p:cNvPicPr>
-          <p:nvPr/>
-        </p:nvPicPr>
-        <p:blipFill>
-          <a:blip r:embed="rId2"/>
-          <a:stretch>
-            <a:fillRect/>
-          </a:stretch>
-        </p:blipFill>
-        <p:spPr>
-          <a:xfrm>
-            <a:off x="1127879" y="2660074"/>
-            <a:ext cx="6048313" cy="566552"/>
-          </a:xfrm>
-          <a:prstGeom prst="rect">
-            <a:avLst/>
-          </a:prstGeom>
-        </p:spPr>
-      </p:pic>
-      <p:pic>
-        <p:nvPicPr>
-          <p:cNvPr id="6" name="Picture 5"/>
-          <p:cNvPicPr>
-            <a:picLocks noChangeAspect="1"/>
-          </p:cNvPicPr>
-          <p:nvPr/>
-        </p:nvPicPr>
-        <p:blipFill>
-          <a:blip r:embed="rId3"/>
-          <a:stretch>
-            <a:fillRect/>
-          </a:stretch>
-        </p:blipFill>
-        <p:spPr>
-          <a:xfrm>
-            <a:off x="1641012" y="4752629"/>
-            <a:ext cx="2408473" cy="648435"/>
-          </a:xfrm>
-          <a:prstGeom prst="rect">
-            <a:avLst/>
-          </a:prstGeom>
-        </p:spPr>
-      </p:pic>
-    </p:spTree>
-    <p:extLst>
-      <p:ext uri="{BB962C8B-B14F-4D97-AF65-F5344CB8AC3E}">
-        <p14:creationId xmlns:p14="http://schemas.microsoft.com/office/powerpoint/2010/main" val="486709050"/>
-      </p:ext>
-    </p:extLst>
-  </p:cSld>
-  <p:clrMapOvr>
-    <a:masterClrMapping/>
-  </p:clrMapOvr>
-</p:sld>
-</file>
-
-<file path=ppt/slides/slide6.xml><?xml version="1.0" encoding="utf-8"?>
-<p:sld xmlns:a="http://schemas.openxmlformats.org/drawingml/2006/main" xmlns:r="http://schemas.openxmlformats.org/officeDocument/2006/relationships" xmlns:p="http://schemas.openxmlformats.org/presentationml/2006/main">
-  <p:cSld>
-    <p:spTree>
-      <p:nvGrpSpPr>
-        <p:cNvPr id="1" name=""/>
-        <p:cNvGrpSpPr/>
-        <p:nvPr/>
-      </p:nvGrpSpPr>
-      <p:grpSpPr>
-        <a:xfrm>
-          <a:off x="0" y="0"/>
-          <a:ext cx="0" cy="0"/>
-          <a:chOff x="0" y="0"/>
-          <a:chExt cx="0" cy="0"/>
-        </a:xfrm>
-      </p:grpSpPr>
-      <p:sp>
-        <p:nvSpPr>
-          <p:cNvPr id="2" name="Title 1"/>
-          <p:cNvSpPr>
-            <a:spLocks noGrp="1"/>
-          </p:cNvSpPr>
-          <p:nvPr>
-            <p:ph type="title"/>
-          </p:nvPr>
-        </p:nvSpPr>
-        <p:spPr/>
-        <p:txBody>
-          <a:bodyPr/>
-          <a:lstStyle/>
-          <a:p>
-            <a:r>
-              <a:rPr lang="en-US" dirty="0" smtClean="0"/>
-              <a:t>Normal model with paired measurements </a:t>
-            </a:r>
-            <a:endParaRPr lang="en-US" dirty="0"/>
-          </a:p>
-        </p:txBody>
-      </p:sp>
-      <p:sp>
-        <p:nvSpPr>
-          <p:cNvPr id="3" name="Content Placeholder 2"/>
-          <p:cNvSpPr>
-            <a:spLocks noGrp="1"/>
-          </p:cNvSpPr>
-          <p:nvPr>
-            <p:ph idx="1"/>
-          </p:nvPr>
-        </p:nvSpPr>
-        <p:spPr/>
-        <p:txBody>
-          <a:bodyPr/>
-          <a:lstStyle/>
-          <a:p>
-            <a:pPr marL="228600" lvl="1">
-              <a:spcBef>
-                <a:spcPts val="1000"/>
-              </a:spcBef>
-            </a:pPr>
-            <a:r>
-              <a:rPr lang="en-US" sz="2800" dirty="0" smtClean="0"/>
-              <a:t>Grubbs model (Mixed effect model)</a:t>
-            </a:r>
-          </a:p>
-          <a:p>
-            <a:r>
-              <a:rPr lang="en-US" dirty="0" smtClean="0"/>
-              <a:t>Model with paired measurements </a:t>
-            </a:r>
-          </a:p>
-          <a:p>
-            <a:pPr lvl="1"/>
-            <a:r>
-              <a:rPr lang="en-US" dirty="0" smtClean="0"/>
-              <a:t>Used for comparing two methods where one measurement from each method is taken on every subject in the study. There are n subjects.</a:t>
-            </a:r>
-          </a:p>
-          <a:p>
-            <a:pPr marL="228600" lvl="1">
-              <a:spcBef>
-                <a:spcPts val="1000"/>
-              </a:spcBef>
-            </a:pPr>
-            <a:endParaRPr lang="en-US" dirty="0" smtClean="0"/>
-          </a:p>
-          <a:p>
-            <a:endParaRPr lang="en-US" dirty="0" smtClean="0"/>
-          </a:p>
-          <a:p>
-            <a:endParaRPr lang="en-US" dirty="0"/>
-          </a:p>
-        </p:txBody>
-      </p:sp>
-      <p:pic>
-        <p:nvPicPr>
-          <p:cNvPr id="4" name="Picture 3"/>
-          <p:cNvPicPr>
-            <a:picLocks noChangeAspect="1"/>
-          </p:cNvPicPr>
-          <p:nvPr/>
-        </p:nvPicPr>
-        <p:blipFill>
-          <a:blip r:embed="rId2"/>
-          <a:stretch>
-            <a:fillRect/>
-          </a:stretch>
-        </p:blipFill>
-        <p:spPr>
-          <a:xfrm>
-            <a:off x="1040448" y="3765321"/>
-            <a:ext cx="7656640" cy="640425"/>
-          </a:xfrm>
-          <a:prstGeom prst="rect">
-            <a:avLst/>
-          </a:prstGeom>
-        </p:spPr>
-      </p:pic>
-      <p:pic>
-        <p:nvPicPr>
-          <p:cNvPr id="5" name="Picture 4"/>
-          <p:cNvPicPr>
-            <a:picLocks noChangeAspect="1"/>
-          </p:cNvPicPr>
-          <p:nvPr/>
-        </p:nvPicPr>
-        <p:blipFill>
-          <a:blip r:embed="rId3"/>
-          <a:stretch>
-            <a:fillRect/>
-          </a:stretch>
-        </p:blipFill>
-        <p:spPr>
-          <a:xfrm>
-            <a:off x="1277358" y="4783280"/>
-            <a:ext cx="1774146" cy="418112"/>
-          </a:xfrm>
-          <a:prstGeom prst="rect">
-            <a:avLst/>
-          </a:prstGeom>
-        </p:spPr>
-      </p:pic>
-      <p:pic>
-        <p:nvPicPr>
-          <p:cNvPr id="6" name="Picture 5"/>
-          <p:cNvPicPr>
-            <a:picLocks noChangeAspect="1"/>
-          </p:cNvPicPr>
-          <p:nvPr/>
-        </p:nvPicPr>
-        <p:blipFill>
-          <a:blip r:embed="rId4"/>
-          <a:stretch>
-            <a:fillRect/>
-          </a:stretch>
-        </p:blipFill>
-        <p:spPr>
-          <a:xfrm>
-            <a:off x="3753296" y="4779991"/>
-            <a:ext cx="1685603" cy="421401"/>
-          </a:xfrm>
-          <a:prstGeom prst="rect">
-            <a:avLst/>
-          </a:prstGeom>
-        </p:spPr>
-      </p:pic>
-    </p:spTree>
-    <p:extLst>
-      <p:ext uri="{BB962C8B-B14F-4D97-AF65-F5344CB8AC3E}">
-        <p14:creationId xmlns:p14="http://schemas.microsoft.com/office/powerpoint/2010/main" val="1123908050"/>
-      </p:ext>
-    </p:extLst>
-  </p:cSld>
-  <p:clrMapOvr>
-    <a:masterClrMapping/>
-  </p:clrMapOvr>
-</p:sld>
-</file>
-
-<file path=ppt/slides/slide7.xml><?xml version="1.0" encoding="utf-8"?>
-<p:sld xmlns:a="http://schemas.openxmlformats.org/drawingml/2006/main" xmlns:r="http://schemas.openxmlformats.org/officeDocument/2006/relationships" xmlns:p="http://schemas.openxmlformats.org/presentationml/2006/main">
-  <p:cSld>
-    <p:spTree>
-      <p:nvGrpSpPr>
-        <p:cNvPr id="1" name=""/>
-        <p:cNvGrpSpPr/>
-        <p:nvPr/>
-      </p:nvGrpSpPr>
-      <p:grpSpPr>
-        <a:xfrm>
-          <a:off x="0" y="0"/>
-          <a:ext cx="0" cy="0"/>
-          <a:chOff x="0" y="0"/>
-          <a:chExt cx="0" cy="0"/>
-        </a:xfrm>
-      </p:grpSpPr>
-      <p:sp>
-        <p:nvSpPr>
-          <p:cNvPr id="2" name="Title 1"/>
-          <p:cNvSpPr>
-            <a:spLocks noGrp="1"/>
-          </p:cNvSpPr>
-          <p:nvPr>
-            <p:ph type="title"/>
-          </p:nvPr>
-        </p:nvSpPr>
-        <p:spPr/>
-        <p:txBody>
-          <a:bodyPr/>
-          <a:lstStyle/>
-          <a:p>
-            <a:r>
-              <a:rPr lang="en-US" dirty="0" smtClean="0"/>
-              <a:t>Estimating parameters of the model</a:t>
-            </a:r>
-            <a:endParaRPr lang="en-US" dirty="0"/>
-          </a:p>
-        </p:txBody>
-      </p:sp>
-      <p:sp>
-        <p:nvSpPr>
-          <p:cNvPr id="3" name="Content Placeholder 2"/>
-          <p:cNvSpPr>
-            <a:spLocks noGrp="1"/>
-          </p:cNvSpPr>
-          <p:nvPr>
-            <p:ph idx="1"/>
-          </p:nvPr>
-        </p:nvSpPr>
-        <p:spPr/>
-        <p:txBody>
-          <a:bodyPr>
-            <a:normAutofit lnSpcReduction="10000"/>
-          </a:bodyPr>
-          <a:lstStyle/>
-          <a:p>
-            <a:endParaRPr lang="en-US" dirty="0" smtClean="0"/>
-          </a:p>
-          <a:p>
-            <a:endParaRPr lang="en-US" dirty="0"/>
-          </a:p>
-          <a:p>
-            <a:endParaRPr lang="en-US" dirty="0" smtClean="0"/>
-          </a:p>
-          <a:p>
-            <a:endParaRPr lang="en-US" dirty="0"/>
-          </a:p>
-          <a:p>
-            <a:endParaRPr lang="en-US" dirty="0" smtClean="0"/>
-          </a:p>
-          <a:p>
-            <a:endParaRPr lang="en-US" dirty="0"/>
-          </a:p>
-          <a:p>
-            <a:endParaRPr lang="en-US" dirty="0" smtClean="0"/>
-          </a:p>
-          <a:p>
-            <a:r>
-              <a:rPr lang="en-US" dirty="0" smtClean="0"/>
-              <a:t>Maximum likelihood estimation </a:t>
-            </a:r>
-          </a:p>
-          <a:p>
-            <a:r>
-              <a:rPr lang="en-US" dirty="0" smtClean="0"/>
-              <a:t>Python </a:t>
-            </a:r>
-            <a:r>
-              <a:rPr lang="en-US" dirty="0" err="1" smtClean="0"/>
-              <a:t>statsmodels</a:t>
-            </a:r>
-            <a:r>
-              <a:rPr lang="en-US" dirty="0" smtClean="0"/>
-              <a:t> </a:t>
-            </a:r>
-            <a:r>
-              <a:rPr lang="en-US" dirty="0" err="1" smtClean="0"/>
-              <a:t>mixedlm</a:t>
-            </a:r>
-            <a:endParaRPr lang="en-US" dirty="0"/>
-          </a:p>
-        </p:txBody>
-      </p:sp>
-      <p:pic>
-        <p:nvPicPr>
-          <p:cNvPr id="4" name="Picture 3"/>
-          <p:cNvPicPr>
-            <a:picLocks noChangeAspect="1"/>
-          </p:cNvPicPr>
-          <p:nvPr/>
-        </p:nvPicPr>
-        <p:blipFill>
-          <a:blip r:embed="rId2"/>
-          <a:stretch>
-            <a:fillRect/>
-          </a:stretch>
-        </p:blipFill>
-        <p:spPr>
-          <a:xfrm>
-            <a:off x="1000269" y="2267920"/>
-            <a:ext cx="9512908" cy="2054698"/>
-          </a:xfrm>
-          <a:prstGeom prst="rect">
-            <a:avLst/>
-          </a:prstGeom>
-        </p:spPr>
-      </p:pic>
-      <p:pic>
-        <p:nvPicPr>
-          <p:cNvPr id="5" name="Picture 4"/>
-          <p:cNvPicPr>
-            <a:picLocks noChangeAspect="1"/>
-          </p:cNvPicPr>
-          <p:nvPr/>
-        </p:nvPicPr>
-        <p:blipFill>
-          <a:blip r:embed="rId3"/>
-          <a:stretch>
-            <a:fillRect/>
-          </a:stretch>
-        </p:blipFill>
-        <p:spPr>
-          <a:xfrm>
-            <a:off x="720981" y="1572866"/>
-            <a:ext cx="6929276" cy="505517"/>
-          </a:xfrm>
-          <a:prstGeom prst="rect">
-            <a:avLst/>
-          </a:prstGeom>
-        </p:spPr>
-      </p:pic>
-      <p:pic>
-        <p:nvPicPr>
-          <p:cNvPr id="6" name="Picture 5"/>
-          <p:cNvPicPr>
-            <a:picLocks noChangeAspect="1"/>
-          </p:cNvPicPr>
-          <p:nvPr/>
-        </p:nvPicPr>
-        <p:blipFill>
-          <a:blip r:embed="rId4"/>
-          <a:stretch>
-            <a:fillRect/>
-          </a:stretch>
-        </p:blipFill>
-        <p:spPr>
-          <a:xfrm>
-            <a:off x="6096000" y="5162590"/>
-            <a:ext cx="2157351" cy="404504"/>
-          </a:xfrm>
-          <a:prstGeom prst="rect">
-            <a:avLst/>
-          </a:prstGeom>
-        </p:spPr>
-      </p:pic>
-    </p:spTree>
-    <p:extLst>
-      <p:ext uri="{BB962C8B-B14F-4D97-AF65-F5344CB8AC3E}">
-        <p14:creationId xmlns:p14="http://schemas.microsoft.com/office/powerpoint/2010/main" val="1571675586"/>
-      </p:ext>
-    </p:extLst>
-  </p:cSld>
-  <p:clrMapOvr>
-    <a:masterClrMapping/>
-  </p:clrMapOvr>
-</p:sld>
-</file>
-
-<file path=ppt/slides/slide8.xml><?xml version="1.0" encoding="utf-8"?>
-<p:sld xmlns:a="http://schemas.openxmlformats.org/drawingml/2006/main" xmlns:r="http://schemas.openxmlformats.org/officeDocument/2006/relationships" xmlns:p="http://schemas.openxmlformats.org/presentationml/2006/main">
-  <p:cSld>
-    <p:spTree>
-      <p:nvGrpSpPr>
-        <p:cNvPr id="1" name=""/>
-        <p:cNvGrpSpPr/>
-        <p:nvPr/>
-      </p:nvGrpSpPr>
-      <p:grpSpPr>
-        <a:xfrm>
-          <a:off x="0" y="0"/>
-          <a:ext cx="0" cy="0"/>
-          <a:chOff x="0" y="0"/>
-          <a:chExt cx="0" cy="0"/>
-        </a:xfrm>
-      </p:grpSpPr>
-      <p:sp>
-        <p:nvSpPr>
-          <p:cNvPr id="2" name="Title 1"/>
-          <p:cNvSpPr>
-            <a:spLocks noGrp="1"/>
-          </p:cNvSpPr>
-          <p:nvPr>
-            <p:ph type="title"/>
-          </p:nvPr>
-        </p:nvSpPr>
-        <p:spPr/>
-        <p:txBody>
-          <a:bodyPr/>
-          <a:lstStyle/>
-          <a:p>
-            <a:r>
-              <a:rPr lang="en-US" dirty="0" smtClean="0"/>
-              <a:t>Estimating parameters of the model</a:t>
-            </a:r>
-            <a:endParaRPr lang="en-US" dirty="0"/>
-          </a:p>
-        </p:txBody>
-      </p:sp>
-      <p:sp>
-        <p:nvSpPr>
-          <p:cNvPr id="3" name="Content Placeholder 2"/>
-          <p:cNvSpPr>
-            <a:spLocks noGrp="1"/>
-          </p:cNvSpPr>
-          <p:nvPr>
-            <p:ph idx="1"/>
-          </p:nvPr>
-        </p:nvSpPr>
-        <p:spPr/>
-        <p:txBody>
-          <a:bodyPr/>
-          <a:lstStyle/>
-          <a:p>
-            <a:r>
-              <a:rPr lang="en-US" dirty="0" smtClean="0"/>
-              <a:t>Sometimes variance of the mixed effect model is not estimated reliably.</a:t>
-            </a:r>
-          </a:p>
-          <a:p>
-            <a:r>
-              <a:rPr lang="en-US" dirty="0" smtClean="0"/>
-              <a:t>In this case, bivariate normal modes can be used</a:t>
-            </a:r>
-          </a:p>
-          <a:p>
-            <a:endParaRPr lang="en-US" dirty="0" smtClean="0"/>
-          </a:p>
-          <a:p>
-            <a:endParaRPr lang="en-US" dirty="0"/>
-          </a:p>
-          <a:p>
-            <a:r>
-              <a:rPr lang="en-US" dirty="0" smtClean="0"/>
-              <a:t>It can be fitted using for example </a:t>
-            </a:r>
-            <a:r>
-              <a:rPr lang="en-US" dirty="0" err="1" smtClean="0"/>
-              <a:t>fit_bivariate_normal</a:t>
-            </a:r>
-            <a:r>
-              <a:rPr lang="en-US" dirty="0" smtClean="0"/>
-              <a:t> and </a:t>
-            </a:r>
-            <a:r>
-              <a:rPr lang="en-US" dirty="0" err="1" smtClean="0"/>
-              <a:t>bivariate_normal</a:t>
-            </a:r>
-            <a:r>
-              <a:rPr lang="en-US" dirty="0" smtClean="0"/>
-              <a:t> from </a:t>
-            </a:r>
-            <a:r>
-              <a:rPr lang="en-US" dirty="0" err="1" smtClean="0"/>
-              <a:t>astroML.stats</a:t>
-            </a:r>
-            <a:r>
-              <a:rPr lang="en-US" dirty="0" smtClean="0"/>
-              <a:t> package in Python</a:t>
-            </a:r>
-          </a:p>
-          <a:p>
-            <a:r>
-              <a:rPr lang="en-US" dirty="0" smtClean="0"/>
-              <a:t>It is related to mixed effect model as:</a:t>
-            </a:r>
-          </a:p>
-          <a:p>
-            <a:endParaRPr lang="en-US" dirty="0"/>
-          </a:p>
-        </p:txBody>
-      </p:sp>
-      <p:pic>
-        <p:nvPicPr>
-          <p:cNvPr id="5" name="Picture 4"/>
-          <p:cNvPicPr>
-            <a:picLocks noChangeAspect="1"/>
-          </p:cNvPicPr>
-          <p:nvPr/>
-        </p:nvPicPr>
-        <p:blipFill>
-          <a:blip r:embed="rId2"/>
-          <a:stretch>
-            <a:fillRect/>
-          </a:stretch>
-        </p:blipFill>
-        <p:spPr>
-          <a:xfrm>
-            <a:off x="1538019" y="3183028"/>
-            <a:ext cx="5119110" cy="1110629"/>
-          </a:xfrm>
-          <a:prstGeom prst="rect">
-            <a:avLst/>
-          </a:prstGeom>
-        </p:spPr>
-      </p:pic>
-      <p:pic>
-        <p:nvPicPr>
-          <p:cNvPr id="6" name="Picture 5"/>
-          <p:cNvPicPr>
-            <a:picLocks noChangeAspect="1"/>
-          </p:cNvPicPr>
-          <p:nvPr/>
-        </p:nvPicPr>
-        <p:blipFill>
-          <a:blip r:embed="rId3"/>
-          <a:stretch>
-            <a:fillRect/>
-          </a:stretch>
-        </p:blipFill>
-        <p:spPr>
-          <a:xfrm>
-            <a:off x="1538019" y="5795543"/>
-            <a:ext cx="6564263" cy="1032713"/>
-          </a:xfrm>
-          <a:prstGeom prst="rect">
-            <a:avLst/>
-          </a:prstGeom>
-        </p:spPr>
-      </p:pic>
-    </p:spTree>
-    <p:extLst>
-      <p:ext uri="{BB962C8B-B14F-4D97-AF65-F5344CB8AC3E}">
-        <p14:creationId xmlns:p14="http://schemas.microsoft.com/office/powerpoint/2010/main" val="3586420895"/>
-      </p:ext>
-    </p:extLst>
-  </p:cSld>
-  <p:clrMapOvr>
-    <a:masterClrMapping/>
-  </p:clrMapOvr>
-</p:sld>
-</file>
-
-<file path=ppt/slides/slide9.xml><?xml version="1.0" encoding="utf-8"?>
-<p:sld xmlns:a="http://schemas.openxmlformats.org/drawingml/2006/main" xmlns:r="http://schemas.openxmlformats.org/officeDocument/2006/relationships" xmlns:p="http://schemas.openxmlformats.org/presentationml/2006/main">
-  <p:cSld>
-    <p:spTree>
-      <p:nvGrpSpPr>
-        <p:cNvPr id="1" name=""/>
-        <p:cNvGrpSpPr/>
-        <p:nvPr/>
-      </p:nvGrpSpPr>
-      <p:grpSpPr>
-        <a:xfrm>
-          <a:off x="0" y="0"/>
-          <a:ext cx="0" cy="0"/>
-          <a:chOff x="0" y="0"/>
-          <a:chExt cx="0" cy="0"/>
-        </a:xfrm>
-      </p:grpSpPr>
-      <p:sp>
-        <p:nvSpPr>
-          <p:cNvPr id="2" name="Title 1"/>
-          <p:cNvSpPr>
-            <a:spLocks noGrp="1"/>
-          </p:cNvSpPr>
-          <p:nvPr>
-            <p:ph type="title"/>
-          </p:nvPr>
-        </p:nvSpPr>
-        <p:spPr/>
-        <p:txBody>
-          <a:bodyPr/>
-          <a:lstStyle/>
-          <a:p>
-            <a:r>
-              <a:rPr lang="en-US" dirty="0" smtClean="0"/>
               <a:t>Agreement</a:t>
             </a:r>
             <a:endParaRPr lang="en-US" dirty="0"/>
@@ -6500,6 +3796,2692 @@
     <p:extLst>
       <p:ext uri="{BB962C8B-B14F-4D97-AF65-F5344CB8AC3E}">
         <p14:creationId xmlns:p14="http://schemas.microsoft.com/office/powerpoint/2010/main" val="937326035"/>
+      </p:ext>
+    </p:extLst>
+  </p:cSld>
+  <p:clrMapOvr>
+    <a:masterClrMapping/>
+  </p:clrMapOvr>
+</p:sld>
+</file>
+
+<file path=ppt/slides/slide11.xml><?xml version="1.0" encoding="utf-8"?>
+<p:sld xmlns:a="http://schemas.openxmlformats.org/drawingml/2006/main" xmlns:r="http://schemas.openxmlformats.org/officeDocument/2006/relationships" xmlns:p="http://schemas.openxmlformats.org/presentationml/2006/main">
+  <p:cSld>
+    <p:spTree>
+      <p:nvGrpSpPr>
+        <p:cNvPr id="1" name=""/>
+        <p:cNvGrpSpPr/>
+        <p:nvPr/>
+      </p:nvGrpSpPr>
+      <p:grpSpPr>
+        <a:xfrm>
+          <a:off x="0" y="0"/>
+          <a:ext cx="0" cy="0"/>
+          <a:chOff x="0" y="0"/>
+          <a:chExt cx="0" cy="0"/>
+        </a:xfrm>
+      </p:grpSpPr>
+      <p:sp>
+        <p:nvSpPr>
+          <p:cNvPr id="2" name="Title 1"/>
+          <p:cNvSpPr>
+            <a:spLocks noGrp="1"/>
+          </p:cNvSpPr>
+          <p:nvPr>
+            <p:ph type="title"/>
+          </p:nvPr>
+        </p:nvSpPr>
+        <p:spPr/>
+        <p:txBody>
+          <a:bodyPr/>
+          <a:lstStyle/>
+          <a:p>
+            <a:r>
+              <a:rPr lang="en-US" dirty="0" smtClean="0"/>
+              <a:t>Concordance correlation coefficient</a:t>
+            </a:r>
+          </a:p>
+        </p:txBody>
+      </p:sp>
+      <p:pic>
+        <p:nvPicPr>
+          <p:cNvPr id="5" name="Content Placeholder 4"/>
+          <p:cNvPicPr>
+            <a:picLocks noGrp="1" noChangeAspect="1"/>
+          </p:cNvPicPr>
+          <p:nvPr>
+            <p:ph idx="1"/>
+          </p:nvPr>
+        </p:nvPicPr>
+        <p:blipFill>
+          <a:blip r:embed="rId2"/>
+          <a:stretch>
+            <a:fillRect/>
+          </a:stretch>
+        </p:blipFill>
+        <p:spPr>
+          <a:xfrm>
+            <a:off x="990730" y="1560060"/>
+            <a:ext cx="5105270" cy="944268"/>
+          </a:xfrm>
+          <a:prstGeom prst="rect">
+            <a:avLst/>
+          </a:prstGeom>
+        </p:spPr>
+      </p:pic>
+      <p:pic>
+        <p:nvPicPr>
+          <p:cNvPr id="6" name="Picture 5"/>
+          <p:cNvPicPr>
+            <a:picLocks noChangeAspect="1"/>
+          </p:cNvPicPr>
+          <p:nvPr/>
+        </p:nvPicPr>
+        <p:blipFill>
+          <a:blip r:embed="rId3"/>
+          <a:stretch>
+            <a:fillRect/>
+          </a:stretch>
+        </p:blipFill>
+        <p:spPr>
+          <a:xfrm>
+            <a:off x="972057" y="2634956"/>
+            <a:ext cx="8982454" cy="3684620"/>
+          </a:xfrm>
+          <a:prstGeom prst="rect">
+            <a:avLst/>
+          </a:prstGeom>
+        </p:spPr>
+      </p:pic>
+    </p:spTree>
+    <p:extLst>
+      <p:ext uri="{BB962C8B-B14F-4D97-AF65-F5344CB8AC3E}">
+        <p14:creationId xmlns:p14="http://schemas.microsoft.com/office/powerpoint/2010/main" val="1219898697"/>
+      </p:ext>
+    </p:extLst>
+  </p:cSld>
+  <p:clrMapOvr>
+    <a:masterClrMapping/>
+  </p:clrMapOvr>
+</p:sld>
+</file>
+
+<file path=ppt/slides/slide12.xml><?xml version="1.0" encoding="utf-8"?>
+<p:sld xmlns:a="http://schemas.openxmlformats.org/drawingml/2006/main" xmlns:r="http://schemas.openxmlformats.org/officeDocument/2006/relationships" xmlns:p="http://schemas.openxmlformats.org/presentationml/2006/main">
+  <p:cSld>
+    <p:spTree>
+      <p:nvGrpSpPr>
+        <p:cNvPr id="1" name=""/>
+        <p:cNvGrpSpPr/>
+        <p:nvPr/>
+      </p:nvGrpSpPr>
+      <p:grpSpPr>
+        <a:xfrm>
+          <a:off x="0" y="0"/>
+          <a:ext cx="0" cy="0"/>
+          <a:chOff x="0" y="0"/>
+          <a:chExt cx="0" cy="0"/>
+        </a:xfrm>
+      </p:grpSpPr>
+      <p:sp>
+        <p:nvSpPr>
+          <p:cNvPr id="2" name="Title 1"/>
+          <p:cNvSpPr>
+            <a:spLocks noGrp="1"/>
+          </p:cNvSpPr>
+          <p:nvPr>
+            <p:ph type="title"/>
+          </p:nvPr>
+        </p:nvSpPr>
+        <p:spPr/>
+        <p:txBody>
+          <a:bodyPr/>
+          <a:lstStyle/>
+          <a:p>
+            <a:r>
+              <a:rPr lang="en-US" dirty="0" smtClean="0"/>
+              <a:t>Lin’s Probability Criterion</a:t>
+            </a:r>
+            <a:endParaRPr lang="en-US" dirty="0"/>
+          </a:p>
+        </p:txBody>
+      </p:sp>
+      <p:sp>
+        <p:nvSpPr>
+          <p:cNvPr id="3" name="Content Placeholder 2"/>
+          <p:cNvSpPr>
+            <a:spLocks noGrp="1"/>
+          </p:cNvSpPr>
+          <p:nvPr>
+            <p:ph idx="1"/>
+          </p:nvPr>
+        </p:nvSpPr>
+        <p:spPr/>
+        <p:txBody>
+          <a:bodyPr/>
+          <a:lstStyle/>
+          <a:p>
+            <a:r>
+              <a:rPr lang="en-US" dirty="0" smtClean="0"/>
+              <a:t>Two measurement methods may be considered to have sufﬁcient agreement if a large proportion of their differences is small</a:t>
+            </a:r>
+          </a:p>
+          <a:p>
+            <a:r>
+              <a:rPr lang="en-US" dirty="0" smtClean="0"/>
+              <a:t> δ &gt; 0, be a speciﬁed acceptable margin for the differences in that a difference falling within ±δ is acceptably small </a:t>
+            </a:r>
+          </a:p>
+          <a:p>
+            <a:endParaRPr lang="en-US" dirty="0" smtClean="0"/>
+          </a:p>
+          <a:p>
+            <a:r>
+              <a:rPr lang="en-US" dirty="0" smtClean="0"/>
+              <a:t>Total deviation index  </a:t>
+            </a:r>
+          </a:p>
+          <a:p>
+            <a:r>
+              <a:rPr lang="en-US" dirty="0" smtClean="0"/>
+              <a:t>When differences follow normal distribution:</a:t>
+            </a:r>
+          </a:p>
+          <a:p>
+            <a:endParaRPr lang="en-US" dirty="0"/>
+          </a:p>
+        </p:txBody>
+      </p:sp>
+      <p:pic>
+        <p:nvPicPr>
+          <p:cNvPr id="4" name="Picture 3"/>
+          <p:cNvPicPr>
+            <a:picLocks noChangeAspect="1"/>
+          </p:cNvPicPr>
+          <p:nvPr/>
+        </p:nvPicPr>
+        <p:blipFill>
+          <a:blip r:embed="rId2"/>
+          <a:stretch>
+            <a:fillRect/>
+          </a:stretch>
+        </p:blipFill>
+        <p:spPr>
+          <a:xfrm>
+            <a:off x="1579418" y="3525367"/>
+            <a:ext cx="2219484" cy="509176"/>
+          </a:xfrm>
+          <a:prstGeom prst="rect">
+            <a:avLst/>
+          </a:prstGeom>
+        </p:spPr>
+      </p:pic>
+      <p:pic>
+        <p:nvPicPr>
+          <p:cNvPr id="5" name="Picture 4"/>
+          <p:cNvPicPr>
+            <a:picLocks noChangeAspect="1"/>
+          </p:cNvPicPr>
+          <p:nvPr/>
+        </p:nvPicPr>
+        <p:blipFill>
+          <a:blip r:embed="rId3"/>
+          <a:stretch>
+            <a:fillRect/>
+          </a:stretch>
+        </p:blipFill>
+        <p:spPr>
+          <a:xfrm>
+            <a:off x="4411257" y="4074976"/>
+            <a:ext cx="4778230" cy="544527"/>
+          </a:xfrm>
+          <a:prstGeom prst="rect">
+            <a:avLst/>
+          </a:prstGeom>
+        </p:spPr>
+      </p:pic>
+      <p:pic>
+        <p:nvPicPr>
+          <p:cNvPr id="6" name="Picture 5"/>
+          <p:cNvPicPr>
+            <a:picLocks noChangeAspect="1"/>
+          </p:cNvPicPr>
+          <p:nvPr/>
+        </p:nvPicPr>
+        <p:blipFill>
+          <a:blip r:embed="rId4"/>
+          <a:stretch>
+            <a:fillRect/>
+          </a:stretch>
+        </p:blipFill>
+        <p:spPr>
+          <a:xfrm>
+            <a:off x="2263116" y="5178213"/>
+            <a:ext cx="3808898" cy="842575"/>
+          </a:xfrm>
+          <a:prstGeom prst="rect">
+            <a:avLst/>
+          </a:prstGeom>
+        </p:spPr>
+      </p:pic>
+    </p:spTree>
+    <p:extLst>
+      <p:ext uri="{BB962C8B-B14F-4D97-AF65-F5344CB8AC3E}">
+        <p14:creationId xmlns:p14="http://schemas.microsoft.com/office/powerpoint/2010/main" val="177006677"/>
+      </p:ext>
+    </p:extLst>
+  </p:cSld>
+  <p:clrMapOvr>
+    <a:masterClrMapping/>
+  </p:clrMapOvr>
+</p:sld>
+</file>
+
+<file path=ppt/slides/slide13.xml><?xml version="1.0" encoding="utf-8"?>
+<p:sld xmlns:a="http://schemas.openxmlformats.org/drawingml/2006/main" xmlns:r="http://schemas.openxmlformats.org/officeDocument/2006/relationships" xmlns:p="http://schemas.openxmlformats.org/presentationml/2006/main">
+  <p:cSld>
+    <p:spTree>
+      <p:nvGrpSpPr>
+        <p:cNvPr id="1" name=""/>
+        <p:cNvGrpSpPr/>
+        <p:nvPr/>
+      </p:nvGrpSpPr>
+      <p:grpSpPr>
+        <a:xfrm>
+          <a:off x="0" y="0"/>
+          <a:ext cx="0" cy="0"/>
+          <a:chOff x="0" y="0"/>
+          <a:chExt cx="0" cy="0"/>
+        </a:xfrm>
+      </p:grpSpPr>
+      <p:sp>
+        <p:nvSpPr>
+          <p:cNvPr id="2" name="Title 1"/>
+          <p:cNvSpPr>
+            <a:spLocks noGrp="1"/>
+          </p:cNvSpPr>
+          <p:nvPr>
+            <p:ph type="title"/>
+          </p:nvPr>
+        </p:nvSpPr>
+        <p:spPr/>
+        <p:txBody>
+          <a:bodyPr/>
+          <a:lstStyle/>
+          <a:p>
+            <a:r>
+              <a:rPr lang="en-US" dirty="0" smtClean="0"/>
+              <a:t>Paired measurement example (oxygen saturation 1)	</a:t>
+            </a:r>
+            <a:endParaRPr lang="en-US" dirty="0"/>
+          </a:p>
+        </p:txBody>
+      </p:sp>
+      <p:pic>
+        <p:nvPicPr>
+          <p:cNvPr id="4" name="Content Placeholder 3"/>
+          <p:cNvPicPr>
+            <a:picLocks noGrp="1" noChangeAspect="1"/>
+          </p:cNvPicPr>
+          <p:nvPr>
+            <p:ph idx="1"/>
+          </p:nvPr>
+        </p:nvPicPr>
+        <p:blipFill>
+          <a:blip r:embed="rId2"/>
+          <a:stretch>
+            <a:fillRect/>
+          </a:stretch>
+        </p:blipFill>
+        <p:spPr>
+          <a:xfrm>
+            <a:off x="265250" y="1842827"/>
+            <a:ext cx="5933669" cy="3489165"/>
+          </a:xfrm>
+          <a:prstGeom prst="rect">
+            <a:avLst/>
+          </a:prstGeom>
+        </p:spPr>
+      </p:pic>
+      <p:pic>
+        <p:nvPicPr>
+          <p:cNvPr id="5" name="Picture 4"/>
+          <p:cNvPicPr>
+            <a:picLocks noChangeAspect="1"/>
+          </p:cNvPicPr>
+          <p:nvPr/>
+        </p:nvPicPr>
+        <p:blipFill>
+          <a:blip r:embed="rId3"/>
+          <a:stretch>
+            <a:fillRect/>
+          </a:stretch>
+        </p:blipFill>
+        <p:spPr>
+          <a:xfrm>
+            <a:off x="6781860" y="1842827"/>
+            <a:ext cx="5410140" cy="3451478"/>
+          </a:xfrm>
+          <a:prstGeom prst="rect">
+            <a:avLst/>
+          </a:prstGeom>
+        </p:spPr>
+      </p:pic>
+    </p:spTree>
+    <p:extLst>
+      <p:ext uri="{BB962C8B-B14F-4D97-AF65-F5344CB8AC3E}">
+        <p14:creationId xmlns:p14="http://schemas.microsoft.com/office/powerpoint/2010/main" val="423851360"/>
+      </p:ext>
+    </p:extLst>
+  </p:cSld>
+  <p:clrMapOvr>
+    <a:masterClrMapping/>
+  </p:clrMapOvr>
+</p:sld>
+</file>
+
+<file path=ppt/slides/slide14.xml><?xml version="1.0" encoding="utf-8"?>
+<p:sld xmlns:a="http://schemas.openxmlformats.org/drawingml/2006/main" xmlns:r="http://schemas.openxmlformats.org/officeDocument/2006/relationships" xmlns:p="http://schemas.openxmlformats.org/presentationml/2006/main">
+  <p:cSld>
+    <p:spTree>
+      <p:nvGrpSpPr>
+        <p:cNvPr id="1" name=""/>
+        <p:cNvGrpSpPr/>
+        <p:nvPr/>
+      </p:nvGrpSpPr>
+      <p:grpSpPr>
+        <a:xfrm>
+          <a:off x="0" y="0"/>
+          <a:ext cx="0" cy="0"/>
+          <a:chOff x="0" y="0"/>
+          <a:chExt cx="0" cy="0"/>
+        </a:xfrm>
+      </p:grpSpPr>
+      <p:sp>
+        <p:nvSpPr>
+          <p:cNvPr id="2" name="Title 1"/>
+          <p:cNvSpPr>
+            <a:spLocks noGrp="1"/>
+          </p:cNvSpPr>
+          <p:nvPr>
+            <p:ph type="title"/>
+          </p:nvPr>
+        </p:nvSpPr>
+        <p:spPr/>
+        <p:txBody>
+          <a:bodyPr/>
+          <a:lstStyle/>
+          <a:p>
+            <a:r>
+              <a:rPr lang="en-US" dirty="0" smtClean="0"/>
+              <a:t>Repeated measurements</a:t>
+            </a:r>
+            <a:endParaRPr lang="en-US" dirty="0"/>
+          </a:p>
+        </p:txBody>
+      </p:sp>
+      <p:sp>
+        <p:nvSpPr>
+          <p:cNvPr id="3" name="Content Placeholder 2"/>
+          <p:cNvSpPr>
+            <a:spLocks noGrp="1"/>
+          </p:cNvSpPr>
+          <p:nvPr>
+            <p:ph idx="1"/>
+          </p:nvPr>
+        </p:nvSpPr>
+        <p:spPr/>
+        <p:txBody>
+          <a:bodyPr>
+            <a:normAutofit lnSpcReduction="10000"/>
+          </a:bodyPr>
+          <a:lstStyle/>
+          <a:p>
+            <a:r>
+              <a:rPr lang="en-US" dirty="0" smtClean="0"/>
+              <a:t>Multiple measurements are available on each subject</a:t>
+            </a:r>
+          </a:p>
+          <a:p>
+            <a:r>
+              <a:rPr lang="en-US" dirty="0" smtClean="0"/>
+              <a:t>Linked: when the measurements from the two methods are made together in pairs as (Y</a:t>
+            </a:r>
+            <a:r>
+              <a:rPr lang="en-US" baseline="-25000" dirty="0" smtClean="0"/>
+              <a:t>i1k</a:t>
+            </a:r>
+            <a:r>
+              <a:rPr lang="en-US" dirty="0" smtClean="0"/>
+              <a:t> , Y</a:t>
+            </a:r>
+            <a:r>
+              <a:rPr lang="en-US" baseline="-25000" dirty="0" smtClean="0"/>
+              <a:t>i2k</a:t>
+            </a:r>
+            <a:r>
+              <a:rPr lang="en-US" dirty="0" smtClean="0"/>
+              <a:t> ), k = 1, . . . , m</a:t>
+            </a:r>
+            <a:r>
+              <a:rPr lang="en-US" baseline="-25000" dirty="0" smtClean="0"/>
+              <a:t>i</a:t>
+            </a:r>
+          </a:p>
+          <a:p>
+            <a:r>
+              <a:rPr lang="en-US" dirty="0" smtClean="0"/>
+              <a:t>Unlinked:  the measurements from the two methods are obtained separately and a method’s multiple measurements on a subject are independent replications of the same underlying measurement</a:t>
+            </a:r>
+          </a:p>
+          <a:p>
+            <a:r>
+              <a:rPr lang="en-US" dirty="0" smtClean="0"/>
+              <a:t>Longitudinal: the measurements from both methods are made over a period of time, and unlike the linked case, there is a systematic ﬁxed effect of time or a time-dependent covariate on the measurements.</a:t>
+            </a:r>
+          </a:p>
+          <a:p>
+            <a:r>
+              <a:rPr lang="en-US" dirty="0" smtClean="0"/>
+              <a:t>Need to evaluate repeatability of each method – self agreement</a:t>
+            </a:r>
+            <a:endParaRPr lang="en-US" dirty="0"/>
+          </a:p>
+        </p:txBody>
+      </p:sp>
+    </p:spTree>
+    <p:extLst>
+      <p:ext uri="{BB962C8B-B14F-4D97-AF65-F5344CB8AC3E}">
+        <p14:creationId xmlns:p14="http://schemas.microsoft.com/office/powerpoint/2010/main" val="1953342163"/>
+      </p:ext>
+    </p:extLst>
+  </p:cSld>
+  <p:clrMapOvr>
+    <a:masterClrMapping/>
+  </p:clrMapOvr>
+</p:sld>
+</file>
+
+<file path=ppt/slides/slide15.xml><?xml version="1.0" encoding="utf-8"?>
+<p:sld xmlns:a="http://schemas.openxmlformats.org/drawingml/2006/main" xmlns:r="http://schemas.openxmlformats.org/officeDocument/2006/relationships" xmlns:p="http://schemas.openxmlformats.org/presentationml/2006/main">
+  <p:cSld>
+    <p:spTree>
+      <p:nvGrpSpPr>
+        <p:cNvPr id="1" name=""/>
+        <p:cNvGrpSpPr/>
+        <p:nvPr/>
+      </p:nvGrpSpPr>
+      <p:grpSpPr>
+        <a:xfrm>
+          <a:off x="0" y="0"/>
+          <a:ext cx="0" cy="0"/>
+          <a:chOff x="0" y="0"/>
+          <a:chExt cx="0" cy="0"/>
+        </a:xfrm>
+      </p:grpSpPr>
+      <p:sp>
+        <p:nvSpPr>
+          <p:cNvPr id="2" name="Title 1"/>
+          <p:cNvSpPr>
+            <a:spLocks noGrp="1"/>
+          </p:cNvSpPr>
+          <p:nvPr>
+            <p:ph type="title"/>
+          </p:nvPr>
+        </p:nvSpPr>
+        <p:spPr/>
+        <p:txBody>
+          <a:bodyPr/>
+          <a:lstStyle/>
+          <a:p>
+            <a:r>
+              <a:rPr lang="en-US" dirty="0" smtClean="0"/>
+              <a:t>Modeling unlinked data</a:t>
+            </a:r>
+            <a:endParaRPr lang="en-US" dirty="0"/>
+          </a:p>
+        </p:txBody>
+      </p:sp>
+      <p:sp>
+        <p:nvSpPr>
+          <p:cNvPr id="3" name="Content Placeholder 2"/>
+          <p:cNvSpPr>
+            <a:spLocks noGrp="1"/>
+          </p:cNvSpPr>
+          <p:nvPr>
+            <p:ph idx="1"/>
+          </p:nvPr>
+        </p:nvSpPr>
+        <p:spPr>
+          <a:xfrm>
+            <a:off x="838199" y="1789999"/>
+            <a:ext cx="11179629" cy="4351338"/>
+          </a:xfrm>
+        </p:spPr>
+        <p:txBody>
+          <a:bodyPr/>
+          <a:lstStyle/>
+          <a:p>
+            <a:r>
+              <a:rPr lang="en-US" dirty="0" smtClean="0"/>
+              <a:t>(Y</a:t>
+            </a:r>
+            <a:r>
+              <a:rPr lang="en-US" baseline="-25000" dirty="0" smtClean="0"/>
+              <a:t>i1k</a:t>
+            </a:r>
+            <a:r>
+              <a:rPr lang="en-US" dirty="0" smtClean="0"/>
+              <a:t> , Y</a:t>
+            </a:r>
+            <a:r>
+              <a:rPr lang="en-US" baseline="-25000" dirty="0" smtClean="0"/>
+              <a:t>i2k</a:t>
+            </a:r>
+            <a:r>
+              <a:rPr lang="en-US" dirty="0" smtClean="0"/>
+              <a:t> ), k = 1, . . . , m</a:t>
+            </a:r>
+            <a:r>
+              <a:rPr lang="en-US" baseline="-25000" dirty="0" smtClean="0"/>
+              <a:t>i</a:t>
+            </a:r>
+          </a:p>
+          <a:p>
+            <a:endParaRPr lang="en-US" baseline="-25000" dirty="0"/>
+          </a:p>
+          <a:p>
+            <a:endParaRPr lang="en-US" baseline="-25000" dirty="0" smtClean="0"/>
+          </a:p>
+          <a:p>
+            <a:r>
+              <a:rPr lang="en-US" dirty="0" smtClean="0"/>
+              <a:t>Interaction terms are b</a:t>
+            </a:r>
+            <a:r>
+              <a:rPr lang="en-US" baseline="-25000" dirty="0" smtClean="0"/>
+              <a:t>i1</a:t>
+            </a:r>
+            <a:r>
+              <a:rPr lang="en-US" dirty="0" smtClean="0"/>
+              <a:t> and b</a:t>
+            </a:r>
+            <a:r>
+              <a:rPr lang="en-US" baseline="-25000" dirty="0" smtClean="0"/>
+              <a:t>i2</a:t>
+            </a:r>
+            <a:r>
+              <a:rPr lang="en-US" dirty="0" smtClean="0"/>
+              <a:t>. Here b</a:t>
+            </a:r>
+            <a:r>
+              <a:rPr lang="en-US" baseline="-25000" dirty="0" smtClean="0"/>
+              <a:t>i1</a:t>
+            </a:r>
+            <a:r>
+              <a:rPr lang="en-US" dirty="0" smtClean="0"/>
+              <a:t> represents effects of method 1 on subject i. </a:t>
+            </a:r>
+            <a:endParaRPr lang="en-US" dirty="0"/>
+          </a:p>
+        </p:txBody>
+      </p:sp>
+      <p:pic>
+        <p:nvPicPr>
+          <p:cNvPr id="5" name="Picture 4"/>
+          <p:cNvPicPr>
+            <a:picLocks noChangeAspect="1"/>
+          </p:cNvPicPr>
+          <p:nvPr/>
+        </p:nvPicPr>
+        <p:blipFill>
+          <a:blip r:embed="rId2"/>
+          <a:stretch>
+            <a:fillRect/>
+          </a:stretch>
+        </p:blipFill>
+        <p:spPr>
+          <a:xfrm>
+            <a:off x="945399" y="3965668"/>
+            <a:ext cx="7497458" cy="2419747"/>
+          </a:xfrm>
+          <a:prstGeom prst="rect">
+            <a:avLst/>
+          </a:prstGeom>
+        </p:spPr>
+      </p:pic>
+      <p:pic>
+        <p:nvPicPr>
+          <p:cNvPr id="6" name="Picture 5"/>
+          <p:cNvPicPr>
+            <a:picLocks noChangeAspect="1"/>
+          </p:cNvPicPr>
+          <p:nvPr/>
+        </p:nvPicPr>
+        <p:blipFill>
+          <a:blip r:embed="rId3"/>
+          <a:stretch>
+            <a:fillRect/>
+          </a:stretch>
+        </p:blipFill>
+        <p:spPr>
+          <a:xfrm>
+            <a:off x="776927" y="2232562"/>
+            <a:ext cx="7665930" cy="842990"/>
+          </a:xfrm>
+          <a:prstGeom prst="rect">
+            <a:avLst/>
+          </a:prstGeom>
+        </p:spPr>
+      </p:pic>
+    </p:spTree>
+    <p:extLst>
+      <p:ext uri="{BB962C8B-B14F-4D97-AF65-F5344CB8AC3E}">
+        <p14:creationId xmlns:p14="http://schemas.microsoft.com/office/powerpoint/2010/main" val="3059420390"/>
+      </p:ext>
+    </p:extLst>
+  </p:cSld>
+  <p:clrMapOvr>
+    <a:masterClrMapping/>
+  </p:clrMapOvr>
+</p:sld>
+</file>
+
+<file path=ppt/slides/slide16.xml><?xml version="1.0" encoding="utf-8"?>
+<p:sld xmlns:a="http://schemas.openxmlformats.org/drawingml/2006/main" xmlns:r="http://schemas.openxmlformats.org/officeDocument/2006/relationships" xmlns:p="http://schemas.openxmlformats.org/presentationml/2006/main">
+  <p:cSld>
+    <p:spTree>
+      <p:nvGrpSpPr>
+        <p:cNvPr id="1" name=""/>
+        <p:cNvGrpSpPr/>
+        <p:nvPr/>
+      </p:nvGrpSpPr>
+      <p:grpSpPr>
+        <a:xfrm>
+          <a:off x="0" y="0"/>
+          <a:ext cx="0" cy="0"/>
+          <a:chOff x="0" y="0"/>
+          <a:chExt cx="0" cy="0"/>
+        </a:xfrm>
+      </p:grpSpPr>
+      <p:sp>
+        <p:nvSpPr>
+          <p:cNvPr id="2" name="Title 1"/>
+          <p:cNvSpPr>
+            <a:spLocks noGrp="1"/>
+          </p:cNvSpPr>
+          <p:nvPr>
+            <p:ph type="title"/>
+          </p:nvPr>
+        </p:nvSpPr>
+        <p:spPr/>
+        <p:txBody>
+          <a:bodyPr/>
+          <a:lstStyle/>
+          <a:p>
+            <a:r>
+              <a:rPr lang="en-US" dirty="0" smtClean="0"/>
+              <a:t>Modeling linked data</a:t>
+            </a:r>
+            <a:endParaRPr lang="en-US" dirty="0"/>
+          </a:p>
+        </p:txBody>
+      </p:sp>
+      <p:sp>
+        <p:nvSpPr>
+          <p:cNvPr id="3" name="Content Placeholder 2"/>
+          <p:cNvSpPr>
+            <a:spLocks noGrp="1"/>
+          </p:cNvSpPr>
+          <p:nvPr>
+            <p:ph idx="1"/>
+          </p:nvPr>
+        </p:nvSpPr>
+        <p:spPr/>
+        <p:txBody>
+          <a:bodyPr>
+            <a:normAutofit/>
+          </a:bodyPr>
+          <a:lstStyle/>
+          <a:p>
+            <a:endParaRPr lang="en-US" dirty="0" smtClean="0"/>
+          </a:p>
+          <a:p>
+            <a:endParaRPr lang="en-US" dirty="0"/>
+          </a:p>
+          <a:p>
+            <a:endParaRPr lang="en-US" dirty="0" smtClean="0"/>
+          </a:p>
+          <a:p>
+            <a:r>
+              <a:rPr lang="en-US" dirty="0" smtClean="0"/>
+              <a:t>The effect </a:t>
+            </a:r>
+            <a:r>
+              <a:rPr lang="en-US" dirty="0" err="1" smtClean="0"/>
+              <a:t>b</a:t>
+            </a:r>
+            <a:r>
+              <a:rPr lang="en-US" baseline="-25000" dirty="0" err="1" smtClean="0"/>
+              <a:t>ik</a:t>
+            </a:r>
+            <a:r>
+              <a:rPr lang="en-US" dirty="0" smtClean="0"/>
+              <a:t>* can also be interpreted as a subject × time interaction. In other words, </a:t>
+            </a:r>
+            <a:r>
+              <a:rPr lang="en-US" dirty="0" err="1" smtClean="0"/>
+              <a:t>b</a:t>
+            </a:r>
+            <a:r>
+              <a:rPr lang="en-US" baseline="-25000" dirty="0" err="1" smtClean="0"/>
+              <a:t>ik</a:t>
+            </a:r>
+            <a:r>
+              <a:rPr lang="en-US" dirty="0" smtClean="0"/>
+              <a:t>* is a subject-speciﬁc bias that gets introduced in the measurements at time k. It follows the distribution </a:t>
+            </a:r>
+            <a:endParaRPr lang="en-US" dirty="0"/>
+          </a:p>
+        </p:txBody>
+      </p:sp>
+      <p:pic>
+        <p:nvPicPr>
+          <p:cNvPr id="5" name="Picture 4"/>
+          <p:cNvPicPr>
+            <a:picLocks noChangeAspect="1"/>
+          </p:cNvPicPr>
+          <p:nvPr/>
+        </p:nvPicPr>
+        <p:blipFill>
+          <a:blip r:embed="rId2"/>
+          <a:stretch>
+            <a:fillRect/>
+          </a:stretch>
+        </p:blipFill>
+        <p:spPr>
+          <a:xfrm>
+            <a:off x="724888" y="2137558"/>
+            <a:ext cx="8211531" cy="717749"/>
+          </a:xfrm>
+          <a:prstGeom prst="rect">
+            <a:avLst/>
+          </a:prstGeom>
+        </p:spPr>
+      </p:pic>
+      <p:pic>
+        <p:nvPicPr>
+          <p:cNvPr id="6" name="Picture 5"/>
+          <p:cNvPicPr>
+            <a:picLocks noChangeAspect="1"/>
+          </p:cNvPicPr>
+          <p:nvPr/>
+        </p:nvPicPr>
+        <p:blipFill>
+          <a:blip r:embed="rId3"/>
+          <a:stretch>
+            <a:fillRect/>
+          </a:stretch>
+        </p:blipFill>
+        <p:spPr>
+          <a:xfrm>
+            <a:off x="1110170" y="4786824"/>
+            <a:ext cx="8987919" cy="1222090"/>
+          </a:xfrm>
+          <a:prstGeom prst="rect">
+            <a:avLst/>
+          </a:prstGeom>
+        </p:spPr>
+      </p:pic>
+      <p:pic>
+        <p:nvPicPr>
+          <p:cNvPr id="7" name="Picture 6"/>
+          <p:cNvPicPr>
+            <a:picLocks noChangeAspect="1"/>
+          </p:cNvPicPr>
+          <p:nvPr/>
+        </p:nvPicPr>
+        <p:blipFill>
+          <a:blip r:embed="rId4"/>
+          <a:stretch>
+            <a:fillRect/>
+          </a:stretch>
+        </p:blipFill>
+        <p:spPr>
+          <a:xfrm>
+            <a:off x="9203377" y="4160647"/>
+            <a:ext cx="1155278" cy="458128"/>
+          </a:xfrm>
+          <a:prstGeom prst="rect">
+            <a:avLst/>
+          </a:prstGeom>
+        </p:spPr>
+      </p:pic>
+    </p:spTree>
+    <p:extLst>
+      <p:ext uri="{BB962C8B-B14F-4D97-AF65-F5344CB8AC3E}">
+        <p14:creationId xmlns:p14="http://schemas.microsoft.com/office/powerpoint/2010/main" val="2448740954"/>
+      </p:ext>
+    </p:extLst>
+  </p:cSld>
+  <p:clrMapOvr>
+    <a:masterClrMapping/>
+  </p:clrMapOvr>
+</p:sld>
+</file>
+
+<file path=ppt/slides/slide17.xml><?xml version="1.0" encoding="utf-8"?>
+<p:sld xmlns:a="http://schemas.openxmlformats.org/drawingml/2006/main" xmlns:r="http://schemas.openxmlformats.org/officeDocument/2006/relationships" xmlns:p="http://schemas.openxmlformats.org/presentationml/2006/main">
+  <p:cSld>
+    <p:spTree>
+      <p:nvGrpSpPr>
+        <p:cNvPr id="1" name=""/>
+        <p:cNvGrpSpPr/>
+        <p:nvPr/>
+      </p:nvGrpSpPr>
+      <p:grpSpPr>
+        <a:xfrm>
+          <a:off x="0" y="0"/>
+          <a:ext cx="0" cy="0"/>
+          <a:chOff x="0" y="0"/>
+          <a:chExt cx="0" cy="0"/>
+        </a:xfrm>
+      </p:grpSpPr>
+      <p:sp>
+        <p:nvSpPr>
+          <p:cNvPr id="2" name="Title 1"/>
+          <p:cNvSpPr>
+            <a:spLocks noGrp="1"/>
+          </p:cNvSpPr>
+          <p:nvPr>
+            <p:ph type="title"/>
+          </p:nvPr>
+        </p:nvSpPr>
+        <p:spPr/>
+        <p:txBody>
+          <a:bodyPr/>
+          <a:lstStyle/>
+          <a:p>
+            <a:r>
+              <a:rPr lang="en-US" dirty="0" smtClean="0"/>
+              <a:t>Agreement for linked paired model</a:t>
+            </a:r>
+            <a:endParaRPr lang="en-US" dirty="0"/>
+          </a:p>
+        </p:txBody>
+      </p:sp>
+      <p:sp>
+        <p:nvSpPr>
+          <p:cNvPr id="3" name="Content Placeholder 2"/>
+          <p:cNvSpPr>
+            <a:spLocks noGrp="1"/>
+          </p:cNvSpPr>
+          <p:nvPr>
+            <p:ph idx="1"/>
+          </p:nvPr>
+        </p:nvSpPr>
+        <p:spPr/>
+        <p:txBody>
+          <a:bodyPr/>
+          <a:lstStyle/>
+          <a:p>
+            <a:endParaRPr lang="en-US" dirty="0" smtClean="0"/>
+          </a:p>
+          <a:p>
+            <a:endParaRPr lang="en-US" dirty="0"/>
+          </a:p>
+          <a:p>
+            <a:endParaRPr lang="en-US" dirty="0" smtClean="0"/>
+          </a:p>
+          <a:p>
+            <a:endParaRPr lang="en-US" dirty="0"/>
+          </a:p>
+        </p:txBody>
+      </p:sp>
+      <p:pic>
+        <p:nvPicPr>
+          <p:cNvPr id="4" name="Picture 3"/>
+          <p:cNvPicPr>
+            <a:picLocks noChangeAspect="1"/>
+          </p:cNvPicPr>
+          <p:nvPr/>
+        </p:nvPicPr>
+        <p:blipFill>
+          <a:blip r:embed="rId2"/>
+          <a:stretch>
+            <a:fillRect/>
+          </a:stretch>
+        </p:blipFill>
+        <p:spPr>
+          <a:xfrm>
+            <a:off x="986678" y="1825625"/>
+            <a:ext cx="4837425" cy="809569"/>
+          </a:xfrm>
+          <a:prstGeom prst="rect">
+            <a:avLst/>
+          </a:prstGeom>
+        </p:spPr>
+      </p:pic>
+      <p:pic>
+        <p:nvPicPr>
+          <p:cNvPr id="5" name="Picture 4"/>
+          <p:cNvPicPr>
+            <a:picLocks noChangeAspect="1"/>
+          </p:cNvPicPr>
+          <p:nvPr/>
+        </p:nvPicPr>
+        <p:blipFill>
+          <a:blip r:embed="rId3"/>
+          <a:stretch>
+            <a:fillRect/>
+          </a:stretch>
+        </p:blipFill>
+        <p:spPr>
+          <a:xfrm>
+            <a:off x="864825" y="2956956"/>
+            <a:ext cx="6957867" cy="627855"/>
+          </a:xfrm>
+          <a:prstGeom prst="rect">
+            <a:avLst/>
+          </a:prstGeom>
+        </p:spPr>
+      </p:pic>
+    </p:spTree>
+    <p:extLst>
+      <p:ext uri="{BB962C8B-B14F-4D97-AF65-F5344CB8AC3E}">
+        <p14:creationId xmlns:p14="http://schemas.microsoft.com/office/powerpoint/2010/main" val="614369326"/>
+      </p:ext>
+    </p:extLst>
+  </p:cSld>
+  <p:clrMapOvr>
+    <a:masterClrMapping/>
+  </p:clrMapOvr>
+</p:sld>
+</file>
+
+<file path=ppt/slides/slide18.xml><?xml version="1.0" encoding="utf-8"?>
+<p:sld xmlns:a="http://schemas.openxmlformats.org/drawingml/2006/main" xmlns:r="http://schemas.openxmlformats.org/officeDocument/2006/relationships" xmlns:p="http://schemas.openxmlformats.org/presentationml/2006/main">
+  <p:cSld>
+    <p:spTree>
+      <p:nvGrpSpPr>
+        <p:cNvPr id="1" name=""/>
+        <p:cNvGrpSpPr/>
+        <p:nvPr/>
+      </p:nvGrpSpPr>
+      <p:grpSpPr>
+        <a:xfrm>
+          <a:off x="0" y="0"/>
+          <a:ext cx="0" cy="0"/>
+          <a:chOff x="0" y="0"/>
+          <a:chExt cx="0" cy="0"/>
+        </a:xfrm>
+      </p:grpSpPr>
+      <p:sp>
+        <p:nvSpPr>
+          <p:cNvPr id="2" name="Title 1"/>
+          <p:cNvSpPr>
+            <a:spLocks noGrp="1"/>
+          </p:cNvSpPr>
+          <p:nvPr>
+            <p:ph type="title"/>
+          </p:nvPr>
+        </p:nvSpPr>
+        <p:spPr/>
+        <p:txBody>
+          <a:bodyPr>
+            <a:normAutofit/>
+          </a:bodyPr>
+          <a:lstStyle/>
+          <a:p>
+            <a:r>
+              <a:rPr lang="en-US" dirty="0" smtClean="0"/>
+              <a:t>Repeatability</a:t>
+            </a:r>
+            <a:br>
+              <a:rPr lang="en-US" dirty="0" smtClean="0"/>
+            </a:br>
+            <a:endParaRPr lang="en-US" dirty="0"/>
+          </a:p>
+        </p:txBody>
+      </p:sp>
+      <p:sp>
+        <p:nvSpPr>
+          <p:cNvPr id="3" name="Content Placeholder 2"/>
+          <p:cNvSpPr>
+            <a:spLocks noGrp="1"/>
+          </p:cNvSpPr>
+          <p:nvPr>
+            <p:ph idx="1"/>
+          </p:nvPr>
+        </p:nvSpPr>
+        <p:spPr/>
+        <p:txBody>
+          <a:bodyPr/>
+          <a:lstStyle/>
+          <a:p>
+            <a:r>
+              <a:rPr lang="en-US" dirty="0" smtClean="0"/>
+              <a:t>Repeatability of a method refers to its agreement with itself</a:t>
+            </a:r>
+          </a:p>
+          <a:p>
+            <a:r>
+              <a:rPr lang="en-US" dirty="0" smtClean="0"/>
+              <a:t>Instead of looking for agreement between Y</a:t>
+            </a:r>
+            <a:r>
+              <a:rPr lang="en-US" baseline="-25000" dirty="0" smtClean="0"/>
+              <a:t>1</a:t>
+            </a:r>
+            <a:r>
+              <a:rPr lang="en-US" dirty="0" smtClean="0"/>
+              <a:t> and Y</a:t>
+            </a:r>
+            <a:r>
+              <a:rPr lang="en-US" baseline="-25000" dirty="0" smtClean="0"/>
+              <a:t>2</a:t>
+            </a:r>
+            <a:r>
+              <a:rPr lang="en-US" dirty="0" smtClean="0"/>
+              <a:t>, we are interested in agreement between Y</a:t>
+            </a:r>
+            <a:r>
+              <a:rPr lang="en-US" baseline="-25000" dirty="0" smtClean="0"/>
+              <a:t>1</a:t>
+            </a:r>
+            <a:r>
+              <a:rPr lang="en-US" dirty="0" smtClean="0"/>
+              <a:t> and Y</a:t>
+            </a:r>
+            <a:r>
+              <a:rPr lang="en-US" baseline="-25000" dirty="0" smtClean="0"/>
+              <a:t>1</a:t>
+            </a:r>
+            <a:r>
+              <a:rPr lang="en-US" dirty="0" smtClean="0"/>
+              <a:t>* as well as Y</a:t>
+            </a:r>
+            <a:r>
+              <a:rPr lang="en-US" baseline="-25000" dirty="0" smtClean="0"/>
+              <a:t>2</a:t>
+            </a:r>
+            <a:r>
+              <a:rPr lang="en-US" dirty="0" smtClean="0"/>
+              <a:t> and Y</a:t>
+            </a:r>
+            <a:r>
+              <a:rPr lang="en-US" baseline="-25000" dirty="0" smtClean="0"/>
+              <a:t>2</a:t>
+            </a:r>
+            <a:r>
+              <a:rPr lang="en-US" dirty="0" smtClean="0"/>
+              <a:t>* where (Y</a:t>
+            </a:r>
+            <a:r>
+              <a:rPr lang="en-US" baseline="-25000" dirty="0" smtClean="0"/>
+              <a:t>1</a:t>
+            </a:r>
+            <a:r>
+              <a:rPr lang="en-US" dirty="0" smtClean="0"/>
+              <a:t>*, Y</a:t>
+            </a:r>
+            <a:r>
+              <a:rPr lang="en-US" baseline="-25000" dirty="0" smtClean="0"/>
+              <a:t>2</a:t>
+            </a:r>
+            <a:r>
+              <a:rPr lang="en-US" dirty="0" smtClean="0"/>
+              <a:t>*) is another pair of measurements taken by the two methods on the same subject.</a:t>
+            </a:r>
+          </a:p>
+          <a:p>
+            <a:r>
+              <a:rPr lang="en-US" dirty="0" smtClean="0"/>
+              <a:t>The difference between Y</a:t>
+            </a:r>
+            <a:r>
+              <a:rPr lang="en-US" baseline="-25000" dirty="0" smtClean="0"/>
+              <a:t>1</a:t>
+            </a:r>
+            <a:r>
+              <a:rPr lang="en-US" dirty="0" smtClean="0"/>
+              <a:t> and Y</a:t>
+            </a:r>
+            <a:r>
+              <a:rPr lang="en-US" baseline="-25000" dirty="0" smtClean="0"/>
+              <a:t>1</a:t>
+            </a:r>
+            <a:r>
+              <a:rPr lang="en-US" dirty="0" smtClean="0"/>
+              <a:t>* will depend only on the error </a:t>
+            </a:r>
+            <a:r>
+              <a:rPr lang="en-US" i="1" dirty="0" smtClean="0"/>
+              <a:t>e</a:t>
+            </a:r>
+            <a:r>
+              <a:rPr lang="en-US" dirty="0" smtClean="0"/>
+              <a:t> and subject × time interaction </a:t>
+            </a:r>
+            <a:r>
+              <a:rPr lang="en-US" dirty="0" err="1" smtClean="0"/>
+              <a:t>b</a:t>
+            </a:r>
+            <a:r>
+              <a:rPr lang="en-US" baseline="-25000" dirty="0" err="1" smtClean="0"/>
+              <a:t>ik</a:t>
+            </a:r>
+            <a:r>
+              <a:rPr lang="en-US" dirty="0" smtClean="0"/>
+              <a:t>*</a:t>
+            </a:r>
+          </a:p>
+          <a:p>
+            <a:endParaRPr lang="en-US" dirty="0"/>
+          </a:p>
+        </p:txBody>
+      </p:sp>
+      <p:pic>
+        <p:nvPicPr>
+          <p:cNvPr id="5" name="Picture 4"/>
+          <p:cNvPicPr>
+            <a:picLocks noChangeAspect="1"/>
+          </p:cNvPicPr>
+          <p:nvPr/>
+        </p:nvPicPr>
+        <p:blipFill>
+          <a:blip r:embed="rId2"/>
+          <a:stretch>
+            <a:fillRect/>
+          </a:stretch>
+        </p:blipFill>
+        <p:spPr>
+          <a:xfrm>
+            <a:off x="1801905" y="5086127"/>
+            <a:ext cx="6738733" cy="1552179"/>
+          </a:xfrm>
+          <a:prstGeom prst="rect">
+            <a:avLst/>
+          </a:prstGeom>
+        </p:spPr>
+      </p:pic>
+    </p:spTree>
+    <p:extLst>
+      <p:ext uri="{BB962C8B-B14F-4D97-AF65-F5344CB8AC3E}">
+        <p14:creationId xmlns:p14="http://schemas.microsoft.com/office/powerpoint/2010/main" val="4043731257"/>
+      </p:ext>
+    </p:extLst>
+  </p:cSld>
+  <p:clrMapOvr>
+    <a:masterClrMapping/>
+  </p:clrMapOvr>
+</p:sld>
+</file>
+
+<file path=ppt/slides/slide19.xml><?xml version="1.0" encoding="utf-8"?>
+<p:sld xmlns:a="http://schemas.openxmlformats.org/drawingml/2006/main" xmlns:r="http://schemas.openxmlformats.org/officeDocument/2006/relationships" xmlns:p="http://schemas.openxmlformats.org/presentationml/2006/main">
+  <p:cSld>
+    <p:spTree>
+      <p:nvGrpSpPr>
+        <p:cNvPr id="1" name=""/>
+        <p:cNvGrpSpPr/>
+        <p:nvPr/>
+      </p:nvGrpSpPr>
+      <p:grpSpPr>
+        <a:xfrm>
+          <a:off x="0" y="0"/>
+          <a:ext cx="0" cy="0"/>
+          <a:chOff x="0" y="0"/>
+          <a:chExt cx="0" cy="0"/>
+        </a:xfrm>
+      </p:grpSpPr>
+      <p:sp>
+        <p:nvSpPr>
+          <p:cNvPr id="2" name="Title 1"/>
+          <p:cNvSpPr>
+            <a:spLocks noGrp="1"/>
+          </p:cNvSpPr>
+          <p:nvPr>
+            <p:ph type="title"/>
+          </p:nvPr>
+        </p:nvSpPr>
+        <p:spPr/>
+        <p:txBody>
+          <a:bodyPr/>
+          <a:lstStyle/>
+          <a:p>
+            <a:r>
+              <a:rPr lang="en-US" dirty="0" smtClean="0"/>
+              <a:t>Example – Oxygen saturation 2</a:t>
+            </a:r>
+            <a:endParaRPr lang="en-US" dirty="0"/>
+          </a:p>
+        </p:txBody>
+      </p:sp>
+      <p:sp>
+        <p:nvSpPr>
+          <p:cNvPr id="3" name="Content Placeholder 2"/>
+          <p:cNvSpPr>
+            <a:spLocks noGrp="1"/>
+          </p:cNvSpPr>
+          <p:nvPr>
+            <p:ph idx="1"/>
+          </p:nvPr>
+        </p:nvSpPr>
+        <p:spPr/>
+        <p:txBody>
+          <a:bodyPr/>
+          <a:lstStyle/>
+          <a:p>
+            <a:endParaRPr lang="en-US"/>
+          </a:p>
+        </p:txBody>
+      </p:sp>
+      <p:pic>
+        <p:nvPicPr>
+          <p:cNvPr id="4" name="Picture 3"/>
+          <p:cNvPicPr>
+            <a:picLocks noChangeAspect="1"/>
+          </p:cNvPicPr>
+          <p:nvPr/>
+        </p:nvPicPr>
+        <p:blipFill>
+          <a:blip r:embed="rId2"/>
+          <a:stretch>
+            <a:fillRect/>
+          </a:stretch>
+        </p:blipFill>
+        <p:spPr>
+          <a:xfrm>
+            <a:off x="440976" y="1599993"/>
+            <a:ext cx="5496687" cy="5101675"/>
+          </a:xfrm>
+          <a:prstGeom prst="rect">
+            <a:avLst/>
+          </a:prstGeom>
+        </p:spPr>
+      </p:pic>
+      <p:pic>
+        <p:nvPicPr>
+          <p:cNvPr id="6" name="Picture 5"/>
+          <p:cNvPicPr>
+            <a:picLocks noChangeAspect="1"/>
+          </p:cNvPicPr>
+          <p:nvPr/>
+        </p:nvPicPr>
+        <p:blipFill>
+          <a:blip r:embed="rId3"/>
+          <a:stretch>
+            <a:fillRect/>
+          </a:stretch>
+        </p:blipFill>
+        <p:spPr>
+          <a:xfrm>
+            <a:off x="6581784" y="1825625"/>
+            <a:ext cx="4889779" cy="4026263"/>
+          </a:xfrm>
+          <a:prstGeom prst="rect">
+            <a:avLst/>
+          </a:prstGeom>
+        </p:spPr>
+      </p:pic>
+    </p:spTree>
+    <p:extLst>
+      <p:ext uri="{BB962C8B-B14F-4D97-AF65-F5344CB8AC3E}">
+        <p14:creationId xmlns:p14="http://schemas.microsoft.com/office/powerpoint/2010/main" val="3026883897"/>
+      </p:ext>
+    </p:extLst>
+  </p:cSld>
+  <p:clrMapOvr>
+    <a:masterClrMapping/>
+  </p:clrMapOvr>
+</p:sld>
+</file>
+
+<file path=ppt/slides/slide2.xml><?xml version="1.0" encoding="utf-8"?>
+<p:sld xmlns:a="http://schemas.openxmlformats.org/drawingml/2006/main" xmlns:r="http://schemas.openxmlformats.org/officeDocument/2006/relationships" xmlns:p="http://schemas.openxmlformats.org/presentationml/2006/main">
+  <p:cSld>
+    <p:spTree>
+      <p:nvGrpSpPr>
+        <p:cNvPr id="1" name=""/>
+        <p:cNvGrpSpPr/>
+        <p:nvPr/>
+      </p:nvGrpSpPr>
+      <p:grpSpPr>
+        <a:xfrm>
+          <a:off x="0" y="0"/>
+          <a:ext cx="0" cy="0"/>
+          <a:chOff x="0" y="0"/>
+          <a:chExt cx="0" cy="0"/>
+        </a:xfrm>
+      </p:grpSpPr>
+      <p:sp>
+        <p:nvSpPr>
+          <p:cNvPr id="2" name="Title 1"/>
+          <p:cNvSpPr>
+            <a:spLocks noGrp="1"/>
+          </p:cNvSpPr>
+          <p:nvPr>
+            <p:ph type="title"/>
+          </p:nvPr>
+        </p:nvSpPr>
+        <p:spPr/>
+        <p:txBody>
+          <a:bodyPr/>
+          <a:lstStyle/>
+          <a:p>
+            <a:r>
+              <a:rPr lang="en-US" dirty="0" smtClean="0"/>
+              <a:t>A Statistical Model for Measurements</a:t>
+            </a:r>
+            <a:endParaRPr lang="en-US" dirty="0"/>
+          </a:p>
+        </p:txBody>
+      </p:sp>
+      <p:sp>
+        <p:nvSpPr>
+          <p:cNvPr id="3" name="Content Placeholder 2"/>
+          <p:cNvSpPr>
+            <a:spLocks noGrp="1"/>
+          </p:cNvSpPr>
+          <p:nvPr>
+            <p:ph idx="1"/>
+          </p:nvPr>
+        </p:nvSpPr>
+        <p:spPr/>
+        <p:txBody>
+          <a:bodyPr/>
+          <a:lstStyle/>
+          <a:p>
+            <a:pPr marL="0" indent="0">
+              <a:buNone/>
+            </a:pPr>
+            <a:endParaRPr lang="en-US" dirty="0" smtClean="0"/>
+          </a:p>
+          <a:p>
+            <a:pPr marL="0" indent="0">
+              <a:buNone/>
+            </a:pPr>
+            <a:endParaRPr lang="en-US" dirty="0"/>
+          </a:p>
+          <a:p>
+            <a:endParaRPr lang="en-US" dirty="0" smtClean="0"/>
+          </a:p>
+          <a:p>
+            <a:endParaRPr lang="en-US" dirty="0"/>
+          </a:p>
+          <a:p>
+            <a:r>
+              <a:rPr lang="en-US" dirty="0" smtClean="0"/>
+              <a:t>Bias</a:t>
+            </a:r>
+          </a:p>
+          <a:p>
+            <a:r>
+              <a:rPr lang="en-US" dirty="0" smtClean="0"/>
+              <a:t>Accuracy</a:t>
+            </a:r>
+          </a:p>
+          <a:p>
+            <a:r>
+              <a:rPr lang="en-US" dirty="0" smtClean="0"/>
+              <a:t>Precision</a:t>
+            </a:r>
+          </a:p>
+          <a:p>
+            <a:r>
+              <a:rPr lang="en-US" dirty="0" smtClean="0"/>
+              <a:t>Reliability</a:t>
+            </a:r>
+            <a:endParaRPr lang="en-US" dirty="0"/>
+          </a:p>
+        </p:txBody>
+      </p:sp>
+      <p:pic>
+        <p:nvPicPr>
+          <p:cNvPr id="4" name="Picture 3"/>
+          <p:cNvPicPr>
+            <a:picLocks noChangeAspect="1"/>
+          </p:cNvPicPr>
+          <p:nvPr/>
+        </p:nvPicPr>
+        <p:blipFill>
+          <a:blip r:embed="rId2"/>
+          <a:stretch>
+            <a:fillRect/>
+          </a:stretch>
+        </p:blipFill>
+        <p:spPr>
+          <a:xfrm>
+            <a:off x="1174093" y="1825624"/>
+            <a:ext cx="8955559" cy="1787269"/>
+          </a:xfrm>
+          <a:prstGeom prst="rect">
+            <a:avLst/>
+          </a:prstGeom>
+        </p:spPr>
+      </p:pic>
+    </p:spTree>
+    <p:extLst>
+      <p:ext uri="{BB962C8B-B14F-4D97-AF65-F5344CB8AC3E}">
+        <p14:creationId xmlns:p14="http://schemas.microsoft.com/office/powerpoint/2010/main" val="3443272940"/>
+      </p:ext>
+    </p:extLst>
+  </p:cSld>
+  <p:clrMapOvr>
+    <a:masterClrMapping/>
+  </p:clrMapOvr>
+</p:sld>
+</file>
+
+<file path=ppt/slides/slide20.xml><?xml version="1.0" encoding="utf-8"?>
+<p:sld xmlns:a="http://schemas.openxmlformats.org/drawingml/2006/main" xmlns:r="http://schemas.openxmlformats.org/officeDocument/2006/relationships" xmlns:p="http://schemas.openxmlformats.org/presentationml/2006/main">
+  <p:cSld>
+    <p:spTree>
+      <p:nvGrpSpPr>
+        <p:cNvPr id="1" name=""/>
+        <p:cNvGrpSpPr/>
+        <p:nvPr/>
+      </p:nvGrpSpPr>
+      <p:grpSpPr>
+        <a:xfrm>
+          <a:off x="0" y="0"/>
+          <a:ext cx="0" cy="0"/>
+          <a:chOff x="0" y="0"/>
+          <a:chExt cx="0" cy="0"/>
+        </a:xfrm>
+      </p:grpSpPr>
+      <p:sp>
+        <p:nvSpPr>
+          <p:cNvPr id="2" name="Title 1"/>
+          <p:cNvSpPr>
+            <a:spLocks noGrp="1"/>
+          </p:cNvSpPr>
+          <p:nvPr>
+            <p:ph type="title"/>
+          </p:nvPr>
+        </p:nvSpPr>
+        <p:spPr/>
+        <p:txBody>
+          <a:bodyPr/>
+          <a:lstStyle/>
+          <a:p>
+            <a:r>
+              <a:rPr lang="en-US" dirty="0" smtClean="0"/>
+              <a:t>Example – </a:t>
+            </a:r>
+            <a:br>
+              <a:rPr lang="en-US" dirty="0" smtClean="0"/>
+            </a:br>
+            <a:r>
+              <a:rPr lang="en-US" dirty="0" smtClean="0"/>
+              <a:t>Oxygen saturation 2</a:t>
+            </a:r>
+            <a:endParaRPr lang="en-US" dirty="0"/>
+          </a:p>
+        </p:txBody>
+      </p:sp>
+      <p:sp>
+        <p:nvSpPr>
+          <p:cNvPr id="5" name="Content Placeholder 4"/>
+          <p:cNvSpPr>
+            <a:spLocks noGrp="1"/>
+          </p:cNvSpPr>
+          <p:nvPr>
+            <p:ph idx="1"/>
+          </p:nvPr>
+        </p:nvSpPr>
+        <p:spPr>
+          <a:xfrm>
+            <a:off x="838200" y="1825625"/>
+            <a:ext cx="5170714" cy="4351338"/>
+          </a:xfrm>
+        </p:spPr>
+        <p:txBody>
+          <a:bodyPr/>
+          <a:lstStyle/>
+          <a:p>
+            <a:r>
+              <a:rPr lang="en-US" dirty="0" smtClean="0"/>
+              <a:t>pulse oximetry (method 1) </a:t>
+            </a:r>
+          </a:p>
+          <a:p>
+            <a:r>
+              <a:rPr lang="en-US" dirty="0" smtClean="0"/>
+              <a:t>CO-oximetry (method 2)</a:t>
+            </a:r>
+          </a:p>
+          <a:p>
+            <a:endParaRPr lang="en-US" dirty="0"/>
+          </a:p>
+          <a:p>
+            <a:r>
+              <a:rPr lang="en-US" dirty="0" smtClean="0"/>
+              <a:t>There are between one and three paired measurements over time by the two methods on each infant</a:t>
+            </a:r>
+            <a:endParaRPr lang="en-US" dirty="0"/>
+          </a:p>
+        </p:txBody>
+      </p:sp>
+      <p:pic>
+        <p:nvPicPr>
+          <p:cNvPr id="6" name="Picture 5"/>
+          <p:cNvPicPr>
+            <a:picLocks noChangeAspect="1"/>
+          </p:cNvPicPr>
+          <p:nvPr/>
+        </p:nvPicPr>
+        <p:blipFill>
+          <a:blip r:embed="rId2"/>
+          <a:stretch>
+            <a:fillRect/>
+          </a:stretch>
+        </p:blipFill>
+        <p:spPr>
+          <a:xfrm>
+            <a:off x="6341832" y="201352"/>
+            <a:ext cx="5011968" cy="6115726"/>
+          </a:xfrm>
+          <a:prstGeom prst="rect">
+            <a:avLst/>
+          </a:prstGeom>
+        </p:spPr>
+      </p:pic>
+    </p:spTree>
+    <p:extLst>
+      <p:ext uri="{BB962C8B-B14F-4D97-AF65-F5344CB8AC3E}">
+        <p14:creationId xmlns:p14="http://schemas.microsoft.com/office/powerpoint/2010/main" val="2972446033"/>
+      </p:ext>
+    </p:extLst>
+  </p:cSld>
+  <p:clrMapOvr>
+    <a:masterClrMapping/>
+  </p:clrMapOvr>
+</p:sld>
+</file>
+
+<file path=ppt/slides/slide3.xml><?xml version="1.0" encoding="utf-8"?>
+<p:sld xmlns:a="http://schemas.openxmlformats.org/drawingml/2006/main" xmlns:r="http://schemas.openxmlformats.org/officeDocument/2006/relationships" xmlns:p="http://schemas.openxmlformats.org/presentationml/2006/main">
+  <p:cSld>
+    <p:spTree>
+      <p:nvGrpSpPr>
+        <p:cNvPr id="1" name=""/>
+        <p:cNvGrpSpPr/>
+        <p:nvPr/>
+      </p:nvGrpSpPr>
+      <p:grpSpPr>
+        <a:xfrm>
+          <a:off x="0" y="0"/>
+          <a:ext cx="0" cy="0"/>
+          <a:chOff x="0" y="0"/>
+          <a:chExt cx="0" cy="0"/>
+        </a:xfrm>
+      </p:grpSpPr>
+      <p:sp>
+        <p:nvSpPr>
+          <p:cNvPr id="2" name="Title 1"/>
+          <p:cNvSpPr>
+            <a:spLocks noGrp="1"/>
+          </p:cNvSpPr>
+          <p:nvPr>
+            <p:ph type="title"/>
+          </p:nvPr>
+        </p:nvSpPr>
+        <p:spPr/>
+        <p:txBody>
+          <a:bodyPr/>
+          <a:lstStyle/>
+          <a:p>
+            <a:r>
+              <a:rPr lang="en-US" dirty="0" smtClean="0"/>
+              <a:t>Goals of Method </a:t>
+            </a:r>
+            <a:r>
+              <a:rPr lang="en-US" dirty="0" smtClean="0"/>
+              <a:t>Comparison </a:t>
+            </a:r>
+            <a:r>
+              <a:rPr lang="en-US" dirty="0" smtClean="0"/>
+              <a:t>Study</a:t>
+            </a:r>
+            <a:endParaRPr lang="en-US" dirty="0"/>
+          </a:p>
+        </p:txBody>
+      </p:sp>
+      <p:sp>
+        <p:nvSpPr>
+          <p:cNvPr id="3" name="Content Placeholder 2"/>
+          <p:cNvSpPr>
+            <a:spLocks noGrp="1"/>
+          </p:cNvSpPr>
+          <p:nvPr>
+            <p:ph idx="1"/>
+          </p:nvPr>
+        </p:nvSpPr>
+        <p:spPr/>
+        <p:txBody>
+          <a:bodyPr/>
+          <a:lstStyle/>
+          <a:p>
+            <a:r>
+              <a:rPr lang="en-US" dirty="0" smtClean="0"/>
+              <a:t>To quantify the extent of agreement between the measurement methods and determine whether they have sufﬁcient agreement so that we can use them “interchangeably” for a particular purpose. </a:t>
+            </a:r>
+          </a:p>
+          <a:p>
+            <a:pPr lvl="1"/>
+            <a:r>
+              <a:rPr lang="en-US" dirty="0" smtClean="0"/>
+              <a:t>By interchangeable use we mean that a measurement from one method on a subject can be replaced by a measurement from another method without causing any difference in the practical use of the measurement.</a:t>
+            </a:r>
+          </a:p>
+          <a:p>
+            <a:r>
+              <a:rPr lang="en-US" dirty="0" smtClean="0"/>
+              <a:t> To compare characteristics of the measurement methods—such as their biases, precisions, and sensitivities—to ﬁnd the similarities in the methods.</a:t>
+            </a:r>
+          </a:p>
+          <a:p>
+            <a:r>
+              <a:rPr lang="en-US" dirty="0" smtClean="0"/>
+              <a:t>Measuring agreement is not the same as </a:t>
+            </a:r>
+            <a:r>
+              <a:rPr lang="en-US" dirty="0" smtClean="0"/>
+              <a:t>calibration</a:t>
+            </a:r>
+            <a:endParaRPr lang="en-US" dirty="0" smtClean="0"/>
+          </a:p>
+          <a:p>
+            <a:endParaRPr lang="en-US" dirty="0"/>
+          </a:p>
+        </p:txBody>
+      </p:sp>
+    </p:spTree>
+    <p:extLst>
+      <p:ext uri="{BB962C8B-B14F-4D97-AF65-F5344CB8AC3E}">
+        <p14:creationId xmlns:p14="http://schemas.microsoft.com/office/powerpoint/2010/main" val="688303629"/>
+      </p:ext>
+    </p:extLst>
+  </p:cSld>
+  <p:clrMapOvr>
+    <a:masterClrMapping/>
+  </p:clrMapOvr>
+</p:sld>
+</file>
+
+<file path=ppt/slides/slide4.xml><?xml version="1.0" encoding="utf-8"?>
+<p:sld xmlns:a="http://schemas.openxmlformats.org/drawingml/2006/main" xmlns:r="http://schemas.openxmlformats.org/officeDocument/2006/relationships" xmlns:p="http://schemas.openxmlformats.org/presentationml/2006/main">
+  <p:cSld>
+    <p:spTree>
+      <p:nvGrpSpPr>
+        <p:cNvPr id="1" name=""/>
+        <p:cNvGrpSpPr/>
+        <p:nvPr/>
+      </p:nvGrpSpPr>
+      <p:grpSpPr>
+        <a:xfrm>
+          <a:off x="0" y="0"/>
+          <a:ext cx="0" cy="0"/>
+          <a:chOff x="0" y="0"/>
+          <a:chExt cx="0" cy="0"/>
+        </a:xfrm>
+      </p:grpSpPr>
+      <p:sp>
+        <p:nvSpPr>
+          <p:cNvPr id="2" name="Title 1"/>
+          <p:cNvSpPr>
+            <a:spLocks noGrp="1"/>
+          </p:cNvSpPr>
+          <p:nvPr>
+            <p:ph type="title"/>
+          </p:nvPr>
+        </p:nvSpPr>
+        <p:spPr/>
+        <p:txBody>
+          <a:bodyPr/>
+          <a:lstStyle/>
+          <a:p>
+            <a:r>
+              <a:rPr lang="en-US" dirty="0" smtClean="0"/>
+              <a:t>Key steps in Method </a:t>
+            </a:r>
+            <a:r>
+              <a:rPr lang="en-US" dirty="0" smtClean="0"/>
+              <a:t>Comparison</a:t>
+            </a:r>
+            <a:endParaRPr lang="en-US" dirty="0"/>
+          </a:p>
+        </p:txBody>
+      </p:sp>
+      <p:sp>
+        <p:nvSpPr>
+          <p:cNvPr id="3" name="Content Placeholder 2"/>
+          <p:cNvSpPr>
+            <a:spLocks noGrp="1"/>
+          </p:cNvSpPr>
+          <p:nvPr>
+            <p:ph idx="1"/>
+          </p:nvPr>
+        </p:nvSpPr>
+        <p:spPr/>
+        <p:txBody>
+          <a:bodyPr/>
+          <a:lstStyle/>
+          <a:p>
+            <a:r>
+              <a:rPr lang="en-US" dirty="0" smtClean="0"/>
+              <a:t>Perform exploratory data analysis</a:t>
+            </a:r>
+          </a:p>
+          <a:p>
+            <a:r>
+              <a:rPr lang="en-US" dirty="0" smtClean="0"/>
+              <a:t>Display data graphically using </a:t>
+            </a:r>
+            <a:r>
+              <a:rPr lang="en-US" dirty="0" smtClean="0"/>
+              <a:t>scatterplot </a:t>
+            </a:r>
+            <a:r>
+              <a:rPr lang="en-US" dirty="0" smtClean="0"/>
+              <a:t>and Bland-Altman plot</a:t>
+            </a:r>
+          </a:p>
+          <a:p>
+            <a:r>
+              <a:rPr lang="en-US" dirty="0" smtClean="0"/>
+              <a:t>Apply appropriate error model and fit the data to the model. Check goodness of fit.</a:t>
+            </a:r>
+          </a:p>
+          <a:p>
+            <a:r>
+              <a:rPr lang="en-US" dirty="0" smtClean="0"/>
+              <a:t>Evaluate similarity between the methods</a:t>
+            </a:r>
+          </a:p>
+          <a:p>
+            <a:r>
+              <a:rPr lang="en-US" dirty="0" smtClean="0"/>
+              <a:t>Evaluate agreement between the methods</a:t>
+            </a:r>
+          </a:p>
+          <a:p>
+            <a:endParaRPr lang="en-US" dirty="0"/>
+          </a:p>
+        </p:txBody>
+      </p:sp>
+    </p:spTree>
+    <p:extLst>
+      <p:ext uri="{BB962C8B-B14F-4D97-AF65-F5344CB8AC3E}">
+        <p14:creationId xmlns:p14="http://schemas.microsoft.com/office/powerpoint/2010/main" val="399655562"/>
+      </p:ext>
+    </p:extLst>
+  </p:cSld>
+  <p:clrMapOvr>
+    <a:masterClrMapping/>
+  </p:clrMapOvr>
+</p:sld>
+</file>
+
+<file path=ppt/slides/slide5.xml><?xml version="1.0" encoding="utf-8"?>
+<p:sld xmlns:a="http://schemas.openxmlformats.org/drawingml/2006/main" xmlns:r="http://schemas.openxmlformats.org/officeDocument/2006/relationships" xmlns:p="http://schemas.openxmlformats.org/presentationml/2006/main">
+  <p:cSld>
+    <p:spTree>
+      <p:nvGrpSpPr>
+        <p:cNvPr id="1" name=""/>
+        <p:cNvGrpSpPr/>
+        <p:nvPr/>
+      </p:nvGrpSpPr>
+      <p:grpSpPr>
+        <a:xfrm>
+          <a:off x="0" y="0"/>
+          <a:ext cx="0" cy="0"/>
+          <a:chOff x="0" y="0"/>
+          <a:chExt cx="0" cy="0"/>
+        </a:xfrm>
+      </p:grpSpPr>
+      <p:sp>
+        <p:nvSpPr>
+          <p:cNvPr id="2" name="Title 1"/>
+          <p:cNvSpPr>
+            <a:spLocks noGrp="1"/>
+          </p:cNvSpPr>
+          <p:nvPr>
+            <p:ph type="title"/>
+          </p:nvPr>
+        </p:nvSpPr>
+        <p:spPr>
+          <a:xfrm>
+            <a:off x="533546" y="697634"/>
+            <a:ext cx="4169083" cy="1325563"/>
+          </a:xfrm>
+        </p:spPr>
+        <p:txBody>
+          <a:bodyPr>
+            <a:normAutofit/>
+          </a:bodyPr>
+          <a:lstStyle/>
+          <a:p>
+            <a:r>
+              <a:rPr lang="en-US" dirty="0" smtClean="0"/>
+              <a:t>Meaning of the agreement</a:t>
+            </a:r>
+            <a:endParaRPr lang="en-US" dirty="0"/>
+          </a:p>
+        </p:txBody>
+      </p:sp>
+      <p:pic>
+        <p:nvPicPr>
+          <p:cNvPr id="4" name="Content Placeholder 3"/>
+          <p:cNvPicPr>
+            <a:picLocks noGrp="1" noChangeAspect="1"/>
+          </p:cNvPicPr>
+          <p:nvPr>
+            <p:ph idx="1"/>
+          </p:nvPr>
+        </p:nvPicPr>
+        <p:blipFill>
+          <a:blip r:embed="rId2"/>
+          <a:stretch>
+            <a:fillRect/>
+          </a:stretch>
+        </p:blipFill>
+        <p:spPr>
+          <a:xfrm>
+            <a:off x="4789573" y="0"/>
+            <a:ext cx="7144987" cy="6365172"/>
+          </a:xfrm>
+          <a:prstGeom prst="rect">
+            <a:avLst/>
+          </a:prstGeom>
+        </p:spPr>
+      </p:pic>
+      <p:pic>
+        <p:nvPicPr>
+          <p:cNvPr id="5" name="Picture 4"/>
+          <p:cNvPicPr>
+            <a:picLocks noChangeAspect="1"/>
+          </p:cNvPicPr>
+          <p:nvPr/>
+        </p:nvPicPr>
+        <p:blipFill>
+          <a:blip r:embed="rId3"/>
+          <a:stretch>
+            <a:fillRect/>
+          </a:stretch>
+        </p:blipFill>
+        <p:spPr>
+          <a:xfrm>
+            <a:off x="139663" y="2476018"/>
+            <a:ext cx="5141643" cy="635318"/>
+          </a:xfrm>
+          <a:prstGeom prst="rect">
+            <a:avLst/>
+          </a:prstGeom>
+        </p:spPr>
+      </p:pic>
+      <p:sp>
+        <p:nvSpPr>
+          <p:cNvPr id="6" name="TextBox 5"/>
+          <p:cNvSpPr txBox="1"/>
+          <p:nvPr/>
+        </p:nvSpPr>
+        <p:spPr>
+          <a:xfrm>
+            <a:off x="816374" y="4091922"/>
+            <a:ext cx="2586029" cy="830997"/>
+          </a:xfrm>
+          <a:prstGeom prst="rect">
+            <a:avLst/>
+          </a:prstGeom>
+          <a:noFill/>
+        </p:spPr>
+        <p:txBody>
+          <a:bodyPr wrap="none" rtlCol="0">
+            <a:spAutoFit/>
+          </a:bodyPr>
+          <a:lstStyle/>
+          <a:p>
+            <a:r>
+              <a:rPr lang="en-US" sz="2400" dirty="0" smtClean="0"/>
+              <a:t>Perfect agreement:</a:t>
+            </a:r>
+          </a:p>
+          <a:p>
+            <a:endParaRPr lang="en-US" sz="2400" dirty="0"/>
+          </a:p>
+        </p:txBody>
+      </p:sp>
+      <p:pic>
+        <p:nvPicPr>
+          <p:cNvPr id="7" name="Picture 6"/>
+          <p:cNvPicPr>
+            <a:picLocks noChangeAspect="1"/>
+          </p:cNvPicPr>
+          <p:nvPr/>
+        </p:nvPicPr>
+        <p:blipFill>
+          <a:blip r:embed="rId4"/>
+          <a:stretch>
+            <a:fillRect/>
+          </a:stretch>
+        </p:blipFill>
+        <p:spPr>
+          <a:xfrm>
+            <a:off x="820290" y="4773959"/>
+            <a:ext cx="4202972" cy="546235"/>
+          </a:xfrm>
+          <a:prstGeom prst="rect">
+            <a:avLst/>
+          </a:prstGeom>
+        </p:spPr>
+      </p:pic>
+    </p:spTree>
+    <p:extLst>
+      <p:ext uri="{BB962C8B-B14F-4D97-AF65-F5344CB8AC3E}">
+        <p14:creationId xmlns:p14="http://schemas.microsoft.com/office/powerpoint/2010/main" val="3353109326"/>
+      </p:ext>
+    </p:extLst>
+  </p:cSld>
+  <p:clrMapOvr>
+    <a:masterClrMapping/>
+  </p:clrMapOvr>
+</p:sld>
+</file>
+
+<file path=ppt/slides/slide6.xml><?xml version="1.0" encoding="utf-8"?>
+<p:sld xmlns:a="http://schemas.openxmlformats.org/drawingml/2006/main" xmlns:r="http://schemas.openxmlformats.org/officeDocument/2006/relationships" xmlns:p="http://schemas.openxmlformats.org/presentationml/2006/main">
+  <p:cSld>
+    <p:spTree>
+      <p:nvGrpSpPr>
+        <p:cNvPr id="1" name=""/>
+        <p:cNvGrpSpPr/>
+        <p:nvPr/>
+      </p:nvGrpSpPr>
+      <p:grpSpPr>
+        <a:xfrm>
+          <a:off x="0" y="0"/>
+          <a:ext cx="0" cy="0"/>
+          <a:chOff x="0" y="0"/>
+          <a:chExt cx="0" cy="0"/>
+        </a:xfrm>
+      </p:grpSpPr>
+      <p:sp>
+        <p:nvSpPr>
+          <p:cNvPr id="2" name="Title 1"/>
+          <p:cNvSpPr>
+            <a:spLocks noGrp="1"/>
+          </p:cNvSpPr>
+          <p:nvPr>
+            <p:ph type="title"/>
+          </p:nvPr>
+        </p:nvSpPr>
+        <p:spPr/>
+        <p:txBody>
+          <a:bodyPr/>
+          <a:lstStyle/>
+          <a:p>
+            <a:r>
+              <a:rPr lang="en-US" dirty="0" smtClean="0"/>
+              <a:t>Measurement error model</a:t>
+            </a:r>
+            <a:endParaRPr lang="en-US" dirty="0"/>
+          </a:p>
+        </p:txBody>
+      </p:sp>
+      <p:sp>
+        <p:nvSpPr>
+          <p:cNvPr id="3" name="Content Placeholder 2"/>
+          <p:cNvSpPr>
+            <a:spLocks noGrp="1"/>
+          </p:cNvSpPr>
+          <p:nvPr>
+            <p:ph idx="1"/>
+          </p:nvPr>
+        </p:nvSpPr>
+        <p:spPr/>
+        <p:txBody>
+          <a:bodyPr>
+            <a:normAutofit/>
+          </a:bodyPr>
+          <a:lstStyle/>
+          <a:p>
+            <a:r>
+              <a:rPr lang="en-US" dirty="0" smtClean="0"/>
+              <a:t>Model with reference measurement</a:t>
+            </a:r>
+          </a:p>
+          <a:p>
+            <a:endParaRPr lang="en-US" dirty="0"/>
+          </a:p>
+          <a:p>
+            <a:endParaRPr lang="en-US" dirty="0" smtClean="0"/>
+          </a:p>
+          <a:p>
+            <a:r>
+              <a:rPr lang="en-US" dirty="0" smtClean="0"/>
+              <a:t>Orthogonal distance regression (Deming regression)</a:t>
+            </a:r>
+          </a:p>
+          <a:p>
+            <a:pPr lvl="1"/>
+            <a:r>
+              <a:rPr lang="en-US" dirty="0" smtClean="0"/>
+              <a:t>Regression when both response variable Y2 and explanatory variable Y1 are measured with errors.</a:t>
+            </a:r>
+            <a:endParaRPr lang="en-US" dirty="0"/>
+          </a:p>
+          <a:p>
+            <a:pPr marL="457200" lvl="1" indent="0">
+              <a:buNone/>
+            </a:pPr>
+            <a:endParaRPr lang="en-US" dirty="0" smtClean="0"/>
+          </a:p>
+          <a:p>
+            <a:endParaRPr lang="en-US" dirty="0" smtClean="0"/>
+          </a:p>
+          <a:p>
+            <a:endParaRPr lang="en-US" dirty="0"/>
+          </a:p>
+        </p:txBody>
+      </p:sp>
+      <p:pic>
+        <p:nvPicPr>
+          <p:cNvPr id="4" name="Picture 3"/>
+          <p:cNvPicPr>
+            <a:picLocks noChangeAspect="1"/>
+          </p:cNvPicPr>
+          <p:nvPr/>
+        </p:nvPicPr>
+        <p:blipFill>
+          <a:blip r:embed="rId2"/>
+          <a:stretch>
+            <a:fillRect/>
+          </a:stretch>
+        </p:blipFill>
+        <p:spPr>
+          <a:xfrm>
+            <a:off x="1127879" y="2660074"/>
+            <a:ext cx="6048313" cy="566552"/>
+          </a:xfrm>
+          <a:prstGeom prst="rect">
+            <a:avLst/>
+          </a:prstGeom>
+        </p:spPr>
+      </p:pic>
+      <p:pic>
+        <p:nvPicPr>
+          <p:cNvPr id="6" name="Picture 5"/>
+          <p:cNvPicPr>
+            <a:picLocks noChangeAspect="1"/>
+          </p:cNvPicPr>
+          <p:nvPr/>
+        </p:nvPicPr>
+        <p:blipFill>
+          <a:blip r:embed="rId3"/>
+          <a:stretch>
+            <a:fillRect/>
+          </a:stretch>
+        </p:blipFill>
+        <p:spPr>
+          <a:xfrm>
+            <a:off x="1641012" y="4752629"/>
+            <a:ext cx="2408473" cy="648435"/>
+          </a:xfrm>
+          <a:prstGeom prst="rect">
+            <a:avLst/>
+          </a:prstGeom>
+        </p:spPr>
+      </p:pic>
+    </p:spTree>
+    <p:extLst>
+      <p:ext uri="{BB962C8B-B14F-4D97-AF65-F5344CB8AC3E}">
+        <p14:creationId xmlns:p14="http://schemas.microsoft.com/office/powerpoint/2010/main" val="486709050"/>
+      </p:ext>
+    </p:extLst>
+  </p:cSld>
+  <p:clrMapOvr>
+    <a:masterClrMapping/>
+  </p:clrMapOvr>
+</p:sld>
+</file>
+
+<file path=ppt/slides/slide7.xml><?xml version="1.0" encoding="utf-8"?>
+<p:sld xmlns:a="http://schemas.openxmlformats.org/drawingml/2006/main" xmlns:r="http://schemas.openxmlformats.org/officeDocument/2006/relationships" xmlns:p="http://schemas.openxmlformats.org/presentationml/2006/main">
+  <p:cSld>
+    <p:spTree>
+      <p:nvGrpSpPr>
+        <p:cNvPr id="1" name=""/>
+        <p:cNvGrpSpPr/>
+        <p:nvPr/>
+      </p:nvGrpSpPr>
+      <p:grpSpPr>
+        <a:xfrm>
+          <a:off x="0" y="0"/>
+          <a:ext cx="0" cy="0"/>
+          <a:chOff x="0" y="0"/>
+          <a:chExt cx="0" cy="0"/>
+        </a:xfrm>
+      </p:grpSpPr>
+      <p:sp>
+        <p:nvSpPr>
+          <p:cNvPr id="2" name="Title 1"/>
+          <p:cNvSpPr>
+            <a:spLocks noGrp="1"/>
+          </p:cNvSpPr>
+          <p:nvPr>
+            <p:ph type="title"/>
+          </p:nvPr>
+        </p:nvSpPr>
+        <p:spPr/>
+        <p:txBody>
+          <a:bodyPr/>
+          <a:lstStyle/>
+          <a:p>
+            <a:r>
+              <a:rPr lang="en-US" dirty="0" smtClean="0"/>
+              <a:t>Normal model with paired measurements </a:t>
+            </a:r>
+            <a:endParaRPr lang="en-US" dirty="0"/>
+          </a:p>
+        </p:txBody>
+      </p:sp>
+      <p:sp>
+        <p:nvSpPr>
+          <p:cNvPr id="3" name="Content Placeholder 2"/>
+          <p:cNvSpPr>
+            <a:spLocks noGrp="1"/>
+          </p:cNvSpPr>
+          <p:nvPr>
+            <p:ph idx="1"/>
+          </p:nvPr>
+        </p:nvSpPr>
+        <p:spPr/>
+        <p:txBody>
+          <a:bodyPr/>
+          <a:lstStyle/>
+          <a:p>
+            <a:pPr marL="228600" lvl="1">
+              <a:spcBef>
+                <a:spcPts val="1000"/>
+              </a:spcBef>
+            </a:pPr>
+            <a:r>
+              <a:rPr lang="en-US" sz="2800" dirty="0" smtClean="0"/>
+              <a:t>Grubbs model (Mixed effect model)</a:t>
+            </a:r>
+          </a:p>
+          <a:p>
+            <a:r>
+              <a:rPr lang="en-US" dirty="0" smtClean="0"/>
+              <a:t>Model with paired measurements </a:t>
+            </a:r>
+          </a:p>
+          <a:p>
+            <a:pPr lvl="1"/>
+            <a:r>
+              <a:rPr lang="en-US" dirty="0" smtClean="0"/>
+              <a:t>Used for comparing two methods where one measurement from each method is taken on every subject in the study. There are n subjects.</a:t>
+            </a:r>
+          </a:p>
+          <a:p>
+            <a:pPr marL="228600" lvl="1">
+              <a:spcBef>
+                <a:spcPts val="1000"/>
+              </a:spcBef>
+            </a:pPr>
+            <a:endParaRPr lang="en-US" dirty="0" smtClean="0"/>
+          </a:p>
+          <a:p>
+            <a:endParaRPr lang="en-US" dirty="0" smtClean="0"/>
+          </a:p>
+          <a:p>
+            <a:endParaRPr lang="en-US" dirty="0"/>
+          </a:p>
+        </p:txBody>
+      </p:sp>
+      <p:pic>
+        <p:nvPicPr>
+          <p:cNvPr id="4" name="Picture 3"/>
+          <p:cNvPicPr>
+            <a:picLocks noChangeAspect="1"/>
+          </p:cNvPicPr>
+          <p:nvPr/>
+        </p:nvPicPr>
+        <p:blipFill>
+          <a:blip r:embed="rId2"/>
+          <a:stretch>
+            <a:fillRect/>
+          </a:stretch>
+        </p:blipFill>
+        <p:spPr>
+          <a:xfrm>
+            <a:off x="1040448" y="3765321"/>
+            <a:ext cx="7656640" cy="640425"/>
+          </a:xfrm>
+          <a:prstGeom prst="rect">
+            <a:avLst/>
+          </a:prstGeom>
+        </p:spPr>
+      </p:pic>
+      <p:pic>
+        <p:nvPicPr>
+          <p:cNvPr id="5" name="Picture 4"/>
+          <p:cNvPicPr>
+            <a:picLocks noChangeAspect="1"/>
+          </p:cNvPicPr>
+          <p:nvPr/>
+        </p:nvPicPr>
+        <p:blipFill>
+          <a:blip r:embed="rId3"/>
+          <a:stretch>
+            <a:fillRect/>
+          </a:stretch>
+        </p:blipFill>
+        <p:spPr>
+          <a:xfrm>
+            <a:off x="1277358" y="4783280"/>
+            <a:ext cx="1774146" cy="418112"/>
+          </a:xfrm>
+          <a:prstGeom prst="rect">
+            <a:avLst/>
+          </a:prstGeom>
+        </p:spPr>
+      </p:pic>
+      <p:pic>
+        <p:nvPicPr>
+          <p:cNvPr id="6" name="Picture 5"/>
+          <p:cNvPicPr>
+            <a:picLocks noChangeAspect="1"/>
+          </p:cNvPicPr>
+          <p:nvPr/>
+        </p:nvPicPr>
+        <p:blipFill>
+          <a:blip r:embed="rId4"/>
+          <a:stretch>
+            <a:fillRect/>
+          </a:stretch>
+        </p:blipFill>
+        <p:spPr>
+          <a:xfrm>
+            <a:off x="3753296" y="4779991"/>
+            <a:ext cx="1685603" cy="421401"/>
+          </a:xfrm>
+          <a:prstGeom prst="rect">
+            <a:avLst/>
+          </a:prstGeom>
+        </p:spPr>
+      </p:pic>
+    </p:spTree>
+    <p:extLst>
+      <p:ext uri="{BB962C8B-B14F-4D97-AF65-F5344CB8AC3E}">
+        <p14:creationId xmlns:p14="http://schemas.microsoft.com/office/powerpoint/2010/main" val="1123908050"/>
+      </p:ext>
+    </p:extLst>
+  </p:cSld>
+  <p:clrMapOvr>
+    <a:masterClrMapping/>
+  </p:clrMapOvr>
+</p:sld>
+</file>
+
+<file path=ppt/slides/slide8.xml><?xml version="1.0" encoding="utf-8"?>
+<p:sld xmlns:a="http://schemas.openxmlformats.org/drawingml/2006/main" xmlns:r="http://schemas.openxmlformats.org/officeDocument/2006/relationships" xmlns:p="http://schemas.openxmlformats.org/presentationml/2006/main">
+  <p:cSld>
+    <p:spTree>
+      <p:nvGrpSpPr>
+        <p:cNvPr id="1" name=""/>
+        <p:cNvGrpSpPr/>
+        <p:nvPr/>
+      </p:nvGrpSpPr>
+      <p:grpSpPr>
+        <a:xfrm>
+          <a:off x="0" y="0"/>
+          <a:ext cx="0" cy="0"/>
+          <a:chOff x="0" y="0"/>
+          <a:chExt cx="0" cy="0"/>
+        </a:xfrm>
+      </p:grpSpPr>
+      <p:sp>
+        <p:nvSpPr>
+          <p:cNvPr id="2" name="Title 1"/>
+          <p:cNvSpPr>
+            <a:spLocks noGrp="1"/>
+          </p:cNvSpPr>
+          <p:nvPr>
+            <p:ph type="title"/>
+          </p:nvPr>
+        </p:nvSpPr>
+        <p:spPr/>
+        <p:txBody>
+          <a:bodyPr/>
+          <a:lstStyle/>
+          <a:p>
+            <a:r>
+              <a:rPr lang="en-US" dirty="0" smtClean="0"/>
+              <a:t>Estimating parameters of the model</a:t>
+            </a:r>
+            <a:endParaRPr lang="en-US" dirty="0"/>
+          </a:p>
+        </p:txBody>
+      </p:sp>
+      <p:sp>
+        <p:nvSpPr>
+          <p:cNvPr id="3" name="Content Placeholder 2"/>
+          <p:cNvSpPr>
+            <a:spLocks noGrp="1"/>
+          </p:cNvSpPr>
+          <p:nvPr>
+            <p:ph idx="1"/>
+          </p:nvPr>
+        </p:nvSpPr>
+        <p:spPr/>
+        <p:txBody>
+          <a:bodyPr>
+            <a:normAutofit lnSpcReduction="10000"/>
+          </a:bodyPr>
+          <a:lstStyle/>
+          <a:p>
+            <a:endParaRPr lang="en-US" dirty="0" smtClean="0"/>
+          </a:p>
+          <a:p>
+            <a:endParaRPr lang="en-US" dirty="0"/>
+          </a:p>
+          <a:p>
+            <a:endParaRPr lang="en-US" dirty="0" smtClean="0"/>
+          </a:p>
+          <a:p>
+            <a:endParaRPr lang="en-US" dirty="0"/>
+          </a:p>
+          <a:p>
+            <a:endParaRPr lang="en-US" dirty="0" smtClean="0"/>
+          </a:p>
+          <a:p>
+            <a:endParaRPr lang="en-US" dirty="0"/>
+          </a:p>
+          <a:p>
+            <a:endParaRPr lang="en-US" dirty="0" smtClean="0"/>
+          </a:p>
+          <a:p>
+            <a:r>
+              <a:rPr lang="en-US" dirty="0" smtClean="0"/>
+              <a:t>Maximum likelihood estimation </a:t>
+            </a:r>
+          </a:p>
+          <a:p>
+            <a:r>
+              <a:rPr lang="en-US" dirty="0" smtClean="0"/>
+              <a:t>Python </a:t>
+            </a:r>
+            <a:r>
+              <a:rPr lang="en-US" dirty="0" err="1" smtClean="0"/>
+              <a:t>statsmodels</a:t>
+            </a:r>
+            <a:r>
+              <a:rPr lang="en-US" dirty="0" smtClean="0"/>
+              <a:t> </a:t>
+            </a:r>
+            <a:r>
+              <a:rPr lang="en-US" dirty="0" err="1" smtClean="0"/>
+              <a:t>mixedlm</a:t>
+            </a:r>
+            <a:endParaRPr lang="en-US" dirty="0"/>
+          </a:p>
+        </p:txBody>
+      </p:sp>
+      <p:pic>
+        <p:nvPicPr>
+          <p:cNvPr id="4" name="Picture 3"/>
+          <p:cNvPicPr>
+            <a:picLocks noChangeAspect="1"/>
+          </p:cNvPicPr>
+          <p:nvPr/>
+        </p:nvPicPr>
+        <p:blipFill>
+          <a:blip r:embed="rId2"/>
+          <a:stretch>
+            <a:fillRect/>
+          </a:stretch>
+        </p:blipFill>
+        <p:spPr>
+          <a:xfrm>
+            <a:off x="1000269" y="2267920"/>
+            <a:ext cx="9512908" cy="2054698"/>
+          </a:xfrm>
+          <a:prstGeom prst="rect">
+            <a:avLst/>
+          </a:prstGeom>
+        </p:spPr>
+      </p:pic>
+      <p:pic>
+        <p:nvPicPr>
+          <p:cNvPr id="5" name="Picture 4"/>
+          <p:cNvPicPr>
+            <a:picLocks noChangeAspect="1"/>
+          </p:cNvPicPr>
+          <p:nvPr/>
+        </p:nvPicPr>
+        <p:blipFill>
+          <a:blip r:embed="rId3"/>
+          <a:stretch>
+            <a:fillRect/>
+          </a:stretch>
+        </p:blipFill>
+        <p:spPr>
+          <a:xfrm>
+            <a:off x="720981" y="1572866"/>
+            <a:ext cx="6929276" cy="505517"/>
+          </a:xfrm>
+          <a:prstGeom prst="rect">
+            <a:avLst/>
+          </a:prstGeom>
+        </p:spPr>
+      </p:pic>
+      <p:pic>
+        <p:nvPicPr>
+          <p:cNvPr id="6" name="Picture 5"/>
+          <p:cNvPicPr>
+            <a:picLocks noChangeAspect="1"/>
+          </p:cNvPicPr>
+          <p:nvPr/>
+        </p:nvPicPr>
+        <p:blipFill>
+          <a:blip r:embed="rId4"/>
+          <a:stretch>
+            <a:fillRect/>
+          </a:stretch>
+        </p:blipFill>
+        <p:spPr>
+          <a:xfrm>
+            <a:off x="6096000" y="5162590"/>
+            <a:ext cx="2157351" cy="404504"/>
+          </a:xfrm>
+          <a:prstGeom prst="rect">
+            <a:avLst/>
+          </a:prstGeom>
+        </p:spPr>
+      </p:pic>
+    </p:spTree>
+    <p:extLst>
+      <p:ext uri="{BB962C8B-B14F-4D97-AF65-F5344CB8AC3E}">
+        <p14:creationId xmlns:p14="http://schemas.microsoft.com/office/powerpoint/2010/main" val="1571675586"/>
+      </p:ext>
+    </p:extLst>
+  </p:cSld>
+  <p:clrMapOvr>
+    <a:masterClrMapping/>
+  </p:clrMapOvr>
+</p:sld>
+</file>
+
+<file path=ppt/slides/slide9.xml><?xml version="1.0" encoding="utf-8"?>
+<p:sld xmlns:a="http://schemas.openxmlformats.org/drawingml/2006/main" xmlns:r="http://schemas.openxmlformats.org/officeDocument/2006/relationships" xmlns:p="http://schemas.openxmlformats.org/presentationml/2006/main">
+  <p:cSld>
+    <p:spTree>
+      <p:nvGrpSpPr>
+        <p:cNvPr id="1" name=""/>
+        <p:cNvGrpSpPr/>
+        <p:nvPr/>
+      </p:nvGrpSpPr>
+      <p:grpSpPr>
+        <a:xfrm>
+          <a:off x="0" y="0"/>
+          <a:ext cx="0" cy="0"/>
+          <a:chOff x="0" y="0"/>
+          <a:chExt cx="0" cy="0"/>
+        </a:xfrm>
+      </p:grpSpPr>
+      <p:sp>
+        <p:nvSpPr>
+          <p:cNvPr id="2" name="Title 1"/>
+          <p:cNvSpPr>
+            <a:spLocks noGrp="1"/>
+          </p:cNvSpPr>
+          <p:nvPr>
+            <p:ph type="title"/>
+          </p:nvPr>
+        </p:nvSpPr>
+        <p:spPr/>
+        <p:txBody>
+          <a:bodyPr/>
+          <a:lstStyle/>
+          <a:p>
+            <a:r>
+              <a:rPr lang="en-US" dirty="0" smtClean="0"/>
+              <a:t>Estimating parameters of the model</a:t>
+            </a:r>
+            <a:endParaRPr lang="en-US" dirty="0"/>
+          </a:p>
+        </p:txBody>
+      </p:sp>
+      <p:sp>
+        <p:nvSpPr>
+          <p:cNvPr id="3" name="Content Placeholder 2"/>
+          <p:cNvSpPr>
+            <a:spLocks noGrp="1"/>
+          </p:cNvSpPr>
+          <p:nvPr>
+            <p:ph idx="1"/>
+          </p:nvPr>
+        </p:nvSpPr>
+        <p:spPr/>
+        <p:txBody>
+          <a:bodyPr/>
+          <a:lstStyle/>
+          <a:p>
+            <a:r>
+              <a:rPr lang="en-US" dirty="0" smtClean="0"/>
+              <a:t>Sometimes variance of the mixed effect model is not estimated reliably.</a:t>
+            </a:r>
+          </a:p>
+          <a:p>
+            <a:r>
+              <a:rPr lang="en-US" dirty="0" smtClean="0"/>
+              <a:t>In this case, bivariate normal modes can be used</a:t>
+            </a:r>
+          </a:p>
+          <a:p>
+            <a:endParaRPr lang="en-US" dirty="0" smtClean="0"/>
+          </a:p>
+          <a:p>
+            <a:endParaRPr lang="en-US" dirty="0"/>
+          </a:p>
+          <a:p>
+            <a:r>
+              <a:rPr lang="en-US" dirty="0" smtClean="0"/>
+              <a:t>It can be fitted using for example </a:t>
+            </a:r>
+            <a:r>
+              <a:rPr lang="en-US" dirty="0" err="1" smtClean="0"/>
+              <a:t>fit_bivariate_normal</a:t>
+            </a:r>
+            <a:r>
+              <a:rPr lang="en-US" dirty="0" smtClean="0"/>
+              <a:t> and </a:t>
+            </a:r>
+            <a:r>
+              <a:rPr lang="en-US" dirty="0" err="1" smtClean="0"/>
+              <a:t>bivariate_normal</a:t>
+            </a:r>
+            <a:r>
+              <a:rPr lang="en-US" dirty="0" smtClean="0"/>
+              <a:t> from </a:t>
+            </a:r>
+            <a:r>
+              <a:rPr lang="en-US" dirty="0" err="1" smtClean="0"/>
+              <a:t>astroML.stats</a:t>
+            </a:r>
+            <a:r>
+              <a:rPr lang="en-US" dirty="0" smtClean="0"/>
+              <a:t> package in Python</a:t>
+            </a:r>
+          </a:p>
+          <a:p>
+            <a:r>
+              <a:rPr lang="en-US" dirty="0" smtClean="0"/>
+              <a:t>It is related to mixed effect model as:</a:t>
+            </a:r>
+          </a:p>
+          <a:p>
+            <a:endParaRPr lang="en-US" dirty="0"/>
+          </a:p>
+        </p:txBody>
+      </p:sp>
+      <p:pic>
+        <p:nvPicPr>
+          <p:cNvPr id="5" name="Picture 4"/>
+          <p:cNvPicPr>
+            <a:picLocks noChangeAspect="1"/>
+          </p:cNvPicPr>
+          <p:nvPr/>
+        </p:nvPicPr>
+        <p:blipFill>
+          <a:blip r:embed="rId2"/>
+          <a:stretch>
+            <a:fillRect/>
+          </a:stretch>
+        </p:blipFill>
+        <p:spPr>
+          <a:xfrm>
+            <a:off x="1538019" y="3183028"/>
+            <a:ext cx="5119110" cy="1110629"/>
+          </a:xfrm>
+          <a:prstGeom prst="rect">
+            <a:avLst/>
+          </a:prstGeom>
+        </p:spPr>
+      </p:pic>
+      <p:pic>
+        <p:nvPicPr>
+          <p:cNvPr id="6" name="Picture 5"/>
+          <p:cNvPicPr>
+            <a:picLocks noChangeAspect="1"/>
+          </p:cNvPicPr>
+          <p:nvPr/>
+        </p:nvPicPr>
+        <p:blipFill>
+          <a:blip r:embed="rId3"/>
+          <a:stretch>
+            <a:fillRect/>
+          </a:stretch>
+        </p:blipFill>
+        <p:spPr>
+          <a:xfrm>
+            <a:off x="1538019" y="5795543"/>
+            <a:ext cx="6564263" cy="1032713"/>
+          </a:xfrm>
+          <a:prstGeom prst="rect">
+            <a:avLst/>
+          </a:prstGeom>
+        </p:spPr>
+      </p:pic>
+    </p:spTree>
+    <p:extLst>
+      <p:ext uri="{BB962C8B-B14F-4D97-AF65-F5344CB8AC3E}">
+        <p14:creationId xmlns:p14="http://schemas.microsoft.com/office/powerpoint/2010/main" val="3586420895"/>
       </p:ext>
     </p:extLst>
   </p:cSld>
